--- a/Course Day 10/Webmonk Course (day - 10).pptx
+++ b/Course Day 10/Webmonk Course (day - 10).pptx
@@ -23,16 +23,14 @@
     <p:sldId id="267" r:id="rId17"/>
     <p:sldId id="268" r:id="rId18"/>
     <p:sldId id="269" r:id="rId19"/>
-    <p:sldId id="270" r:id="rId20"/>
-    <p:sldId id="271" r:id="rId21"/>
   </p:sldIdLst>
   <p:sldSz cy="6858000" cx="12192000"/>
   <p:notesSz cx="6858000" cy="9144000"/>
   <p:embeddedFontLst>
     <p:embeddedFont>
       <p:font typeface="Gill Sans"/>
-      <p:regular r:id="rId22"/>
-      <p:bold r:id="rId23"/>
+      <p:regular r:id="rId20"/>
+      <p:bold r:id="rId21"/>
     </p:embeddedFont>
   </p:embeddedFontLst>
   <p:defaultTextStyle>
@@ -266,7 +264,7 @@
   </p:defaultTextStyle>
   <p:extLst>
     <p:ext uri="http://customooxmlschemas.google.com/">
-      <go:slidesCustomData xmlns:go="http://customooxmlschemas.google.com/" r:id="rId24" roundtripDataSignature="AMtx7mj9bgZVhkQgKE2G8K8Eqg1PYFN+VA=="/>
+      <go:slidesCustomData xmlns:go="http://customooxmlschemas.google.com/" r:id="rId22" roundtripDataSignature="AMtx7mg29jBAGEXpCXMeCM6M657hxkzw6A=="/>
     </p:ext>
   </p:extLst>
 </p:presentation>
@@ -1822,7 +1820,7 @@
   <p:cSld>
     <p:spTree>
       <p:nvGrpSpPr>
-        <p:cNvPr id="167" name="Shape 167"/>
+        <p:cNvPr id="169" name="Shape 169"/>
         <p:cNvGrpSpPr/>
         <p:nvPr/>
       </p:nvGrpSpPr>
@@ -1836,7 +1834,7 @@
       </p:grpSpPr>
       <p:sp>
         <p:nvSpPr>
-          <p:cNvPr id="168" name="Google Shape;168;ga8aa0623b4_3_7:notes"/>
+          <p:cNvPr id="170" name="Google Shape;170;ga8aa0623b4_3_17:notes"/>
           <p:cNvSpPr txBox="1"/>
           <p:nvPr>
             <p:ph idx="1" type="body"/>
@@ -1883,7 +1881,7 @@
       </p:sp>
       <p:sp>
         <p:nvSpPr>
-          <p:cNvPr id="169" name="Google Shape;169;ga8aa0623b4_3_7:notes"/>
+          <p:cNvPr id="171" name="Google Shape;171;ga8aa0623b4_3_17:notes"/>
           <p:cNvSpPr/>
           <p:nvPr>
             <p:ph idx="2" type="sldImg"/>
@@ -1939,7 +1937,7 @@
   <p:cSld>
     <p:spTree>
       <p:nvGrpSpPr>
-        <p:cNvPr id="176" name="Shape 176"/>
+        <p:cNvPr id="177" name="Shape 177"/>
         <p:cNvGrpSpPr/>
         <p:nvPr/>
       </p:nvGrpSpPr>
@@ -1953,7 +1951,7 @@
       </p:grpSpPr>
       <p:sp>
         <p:nvSpPr>
-          <p:cNvPr id="177" name="Google Shape;177;ga8aa0623b4_2_25:notes"/>
+          <p:cNvPr id="178" name="Google Shape;178;ga8aa0623b4_2_55:notes"/>
           <p:cNvSpPr txBox="1"/>
           <p:nvPr>
             <p:ph idx="1" type="body"/>
@@ -2000,7 +1998,7 @@
       </p:sp>
       <p:sp>
         <p:nvSpPr>
-          <p:cNvPr id="178" name="Google Shape;178;ga8aa0623b4_2_25:notes"/>
+          <p:cNvPr id="179" name="Google Shape;179;ga8aa0623b4_2_55:notes"/>
           <p:cNvSpPr/>
           <p:nvPr>
             <p:ph idx="2" type="sldImg"/>
@@ -2056,7 +2054,7 @@
   <p:cSld>
     <p:spTree>
       <p:nvGrpSpPr>
-        <p:cNvPr id="183" name="Shape 183"/>
+        <p:cNvPr id="184" name="Shape 184"/>
         <p:cNvGrpSpPr/>
         <p:nvPr/>
       </p:nvGrpSpPr>
@@ -2070,7 +2068,7 @@
       </p:grpSpPr>
       <p:sp>
         <p:nvSpPr>
-          <p:cNvPr id="184" name="Google Shape;184;ga8aa0623b4_3_17:notes"/>
+          <p:cNvPr id="185" name="Google Shape;185;ga8aa0623b4_3_28:notes"/>
           <p:cNvSpPr txBox="1"/>
           <p:nvPr>
             <p:ph idx="1" type="body"/>
@@ -2117,7 +2115,7 @@
       </p:sp>
       <p:sp>
         <p:nvSpPr>
-          <p:cNvPr id="185" name="Google Shape;185;ga8aa0623b4_3_17:notes"/>
+          <p:cNvPr id="186" name="Google Shape;186;ga8aa0623b4_3_28:notes"/>
           <p:cNvSpPr/>
           <p:nvPr>
             <p:ph idx="2" type="sldImg"/>
@@ -2173,7 +2171,7 @@
   <p:cSld>
     <p:spTree>
       <p:nvGrpSpPr>
-        <p:cNvPr id="191" name="Shape 191"/>
+        <p:cNvPr id="192" name="Shape 192"/>
         <p:cNvGrpSpPr/>
         <p:nvPr/>
       </p:nvGrpSpPr>
@@ -2187,241 +2185,7 @@
       </p:grpSpPr>
       <p:sp>
         <p:nvSpPr>
-          <p:cNvPr id="192" name="Google Shape;192;ga8aa0623b4_2_55:notes"/>
-          <p:cNvSpPr txBox="1"/>
-          <p:nvPr>
-            <p:ph idx="1" type="body"/>
-          </p:nvPr>
-        </p:nvSpPr>
-        <p:spPr>
-          <a:xfrm>
-            <a:off x="685800" y="4400550"/>
-            <a:ext cx="5486400" cy="3600600"/>
-          </a:xfrm>
-          <a:prstGeom prst="rect">
-            <a:avLst/>
-          </a:prstGeom>
-          <a:noFill/>
-          <a:ln>
-            <a:noFill/>
-          </a:ln>
-        </p:spPr>
-        <p:txBody>
-          <a:bodyPr anchorCtr="0" anchor="t" bIns="45700" lIns="91425" spcFirstLastPara="1" rIns="91425" wrap="square" tIns="45700">
-            <a:noAutofit/>
-          </a:bodyPr>
-          <a:lstStyle/>
-          <a:p>
-            <a:pPr indent="0" lvl="0" marL="0" rtl="0" algn="l">
-              <a:lnSpc>
-                <a:spcPct val="100000"/>
-              </a:lnSpc>
-              <a:spcBef>
-                <a:spcPts val="0"/>
-              </a:spcBef>
-              <a:spcAft>
-                <a:spcPts val="0"/>
-              </a:spcAft>
-              <a:buSzPts val="1400"/>
-              <a:buNone/>
-            </a:pPr>
-            <a:r>
-              <a:t/>
-            </a:r>
-            <a:endParaRPr/>
-          </a:p>
-        </p:txBody>
-      </p:sp>
-      <p:sp>
-        <p:nvSpPr>
-          <p:cNvPr id="193" name="Google Shape;193;ga8aa0623b4_2_55:notes"/>
-          <p:cNvSpPr/>
-          <p:nvPr>
-            <p:ph idx="2" type="sldImg"/>
-          </p:nvPr>
-        </p:nvSpPr>
-        <p:spPr>
-          <a:xfrm>
-            <a:off x="685800" y="1143000"/>
-            <a:ext cx="5486400" cy="3086100"/>
-          </a:xfrm>
-          <a:custGeom>
-            <a:rect b="b" l="l" r="r" t="t"/>
-            <a:pathLst>
-              <a:path extrusionOk="0" h="120000" w="120000">
-                <a:moveTo>
-                  <a:pt x="0" y="0"/>
-                </a:moveTo>
-                <a:lnTo>
-                  <a:pt x="120000" y="0"/>
-                </a:lnTo>
-                <a:lnTo>
-                  <a:pt x="120000" y="120000"/>
-                </a:lnTo>
-                <a:lnTo>
-                  <a:pt x="0" y="120000"/>
-                </a:lnTo>
-                <a:close/>
-              </a:path>
-            </a:pathLst>
-          </a:custGeom>
-          <a:noFill/>
-          <a:ln cap="flat" cmpd="sng" w="12700">
-            <a:solidFill>
-              <a:srgbClr val="000000"/>
-            </a:solidFill>
-            <a:prstDash val="solid"/>
-            <a:round/>
-            <a:headEnd len="sm" w="sm" type="none"/>
-            <a:tailEnd len="sm" w="sm" type="none"/>
-          </a:ln>
-        </p:spPr>
-      </p:sp>
-    </p:spTree>
-  </p:cSld>
-  <p:clrMapOvr>
-    <a:masterClrMapping/>
-  </p:clrMapOvr>
-</p:notes>
-</file>
-
-<file path=ppt/notesSlides/notesSlide14.xml><?xml version="1.0" encoding="utf-8"?>
-<p:notes xmlns:a="http://schemas.openxmlformats.org/drawingml/2006/main" xmlns:r="http://schemas.openxmlformats.org/officeDocument/2006/relationships" xmlns:mc="http://schemas.openxmlformats.org/markup-compatibility/2006" xmlns:mv="urn:schemas-microsoft-com:mac:vml" xmlns:p="http://schemas.openxmlformats.org/presentationml/2006/main" xmlns:c="http://schemas.openxmlformats.org/drawingml/2006/chart" xmlns:dgm="http://schemas.openxmlformats.org/drawingml/2006/diagram" xmlns:o="urn:schemas-microsoft-com:office:office" xmlns:v="urn:schemas-microsoft-com:vml" xmlns:pvml="urn:schemas-microsoft-com:office:powerpoint" xmlns:com="http://schemas.openxmlformats.org/drawingml/2006/compatibility" xmlns:p14="http://schemas.microsoft.com/office/powerpoint/2010/main" xmlns:p15="http://schemas.microsoft.com/office/powerpoint/2012/main" xmlns:ahyp="http://schemas.microsoft.com/office/drawing/2018/hyperlinkcolor" showMasterPhAnim="0" showMasterSp="0">
-  <p:cSld>
-    <p:spTree>
-      <p:nvGrpSpPr>
-        <p:cNvPr id="198" name="Shape 198"/>
-        <p:cNvGrpSpPr/>
-        <p:nvPr/>
-      </p:nvGrpSpPr>
-      <p:grpSpPr>
-        <a:xfrm>
-          <a:off x="0" y="0"/>
-          <a:ext cx="0" cy="0"/>
-          <a:chOff x="0" y="0"/>
-          <a:chExt cx="0" cy="0"/>
-        </a:xfrm>
-      </p:grpSpPr>
-      <p:sp>
-        <p:nvSpPr>
-          <p:cNvPr id="199" name="Google Shape;199;ga8aa0623b4_3_28:notes"/>
-          <p:cNvSpPr txBox="1"/>
-          <p:nvPr>
-            <p:ph idx="1" type="body"/>
-          </p:nvPr>
-        </p:nvSpPr>
-        <p:spPr>
-          <a:xfrm>
-            <a:off x="685800" y="4400550"/>
-            <a:ext cx="5486400" cy="3600600"/>
-          </a:xfrm>
-          <a:prstGeom prst="rect">
-            <a:avLst/>
-          </a:prstGeom>
-          <a:noFill/>
-          <a:ln>
-            <a:noFill/>
-          </a:ln>
-        </p:spPr>
-        <p:txBody>
-          <a:bodyPr anchorCtr="0" anchor="t" bIns="45700" lIns="91425" spcFirstLastPara="1" rIns="91425" wrap="square" tIns="45700">
-            <a:noAutofit/>
-          </a:bodyPr>
-          <a:lstStyle/>
-          <a:p>
-            <a:pPr indent="0" lvl="0" marL="0" rtl="0" algn="l">
-              <a:lnSpc>
-                <a:spcPct val="100000"/>
-              </a:lnSpc>
-              <a:spcBef>
-                <a:spcPts val="0"/>
-              </a:spcBef>
-              <a:spcAft>
-                <a:spcPts val="0"/>
-              </a:spcAft>
-              <a:buSzPts val="1400"/>
-              <a:buNone/>
-            </a:pPr>
-            <a:r>
-              <a:t/>
-            </a:r>
-            <a:endParaRPr/>
-          </a:p>
-        </p:txBody>
-      </p:sp>
-      <p:sp>
-        <p:nvSpPr>
-          <p:cNvPr id="200" name="Google Shape;200;ga8aa0623b4_3_28:notes"/>
-          <p:cNvSpPr/>
-          <p:nvPr>
-            <p:ph idx="2" type="sldImg"/>
-          </p:nvPr>
-        </p:nvSpPr>
-        <p:spPr>
-          <a:xfrm>
-            <a:off x="685800" y="1143000"/>
-            <a:ext cx="5486400" cy="3086100"/>
-          </a:xfrm>
-          <a:custGeom>
-            <a:rect b="b" l="l" r="r" t="t"/>
-            <a:pathLst>
-              <a:path extrusionOk="0" h="120000" w="120000">
-                <a:moveTo>
-                  <a:pt x="0" y="0"/>
-                </a:moveTo>
-                <a:lnTo>
-                  <a:pt x="120000" y="0"/>
-                </a:lnTo>
-                <a:lnTo>
-                  <a:pt x="120000" y="120000"/>
-                </a:lnTo>
-                <a:lnTo>
-                  <a:pt x="0" y="120000"/>
-                </a:lnTo>
-                <a:close/>
-              </a:path>
-            </a:pathLst>
-          </a:custGeom>
-          <a:noFill/>
-          <a:ln cap="flat" cmpd="sng" w="12700">
-            <a:solidFill>
-              <a:srgbClr val="000000"/>
-            </a:solidFill>
-            <a:prstDash val="solid"/>
-            <a:round/>
-            <a:headEnd len="sm" w="sm" type="none"/>
-            <a:tailEnd len="sm" w="sm" type="none"/>
-          </a:ln>
-        </p:spPr>
-      </p:sp>
-    </p:spTree>
-  </p:cSld>
-  <p:clrMapOvr>
-    <a:masterClrMapping/>
-  </p:clrMapOvr>
-</p:notes>
-</file>
-
-<file path=ppt/notesSlides/notesSlide15.xml><?xml version="1.0" encoding="utf-8"?>
-<p:notes xmlns:a="http://schemas.openxmlformats.org/drawingml/2006/main" xmlns:r="http://schemas.openxmlformats.org/officeDocument/2006/relationships" xmlns:mc="http://schemas.openxmlformats.org/markup-compatibility/2006" xmlns:mv="urn:schemas-microsoft-com:mac:vml" xmlns:p="http://schemas.openxmlformats.org/presentationml/2006/main" xmlns:c="http://schemas.openxmlformats.org/drawingml/2006/chart" xmlns:dgm="http://schemas.openxmlformats.org/drawingml/2006/diagram" xmlns:o="urn:schemas-microsoft-com:office:office" xmlns:v="urn:schemas-microsoft-com:vml" xmlns:pvml="urn:schemas-microsoft-com:office:powerpoint" xmlns:com="http://schemas.openxmlformats.org/drawingml/2006/compatibility" xmlns:p14="http://schemas.microsoft.com/office/powerpoint/2010/main" xmlns:p15="http://schemas.microsoft.com/office/powerpoint/2012/main" xmlns:ahyp="http://schemas.microsoft.com/office/drawing/2018/hyperlinkcolor" showMasterPhAnim="0" showMasterSp="0">
-  <p:cSld>
-    <p:spTree>
-      <p:nvGrpSpPr>
-        <p:cNvPr id="206" name="Shape 206"/>
-        <p:cNvGrpSpPr/>
-        <p:nvPr/>
-      </p:nvGrpSpPr>
-      <p:grpSpPr>
-        <a:xfrm>
-          <a:off x="0" y="0"/>
-          <a:ext cx="0" cy="0"/>
-          <a:chOff x="0" y="0"/>
-          <a:chExt cx="0" cy="0"/>
-        </a:xfrm>
-      </p:grpSpPr>
-      <p:sp>
-        <p:nvSpPr>
-          <p:cNvPr id="207" name="Google Shape;207;ga8aa0623b4_3_43:notes"/>
+          <p:cNvPr id="193" name="Google Shape;193;ga8aa0623b4_3_43:notes"/>
           <p:cNvSpPr/>
           <p:nvPr>
             <p:ph idx="2" type="sldImg"/>
@@ -2466,7 +2230,7 @@
       </p:sp>
       <p:sp>
         <p:nvSpPr>
-          <p:cNvPr id="208" name="Google Shape;208;ga8aa0623b4_3_43:notes"/>
+          <p:cNvPr id="194" name="Google Shape;194;ga8aa0623b4_3_43:notes"/>
           <p:cNvSpPr txBox="1"/>
           <p:nvPr>
             <p:ph idx="1" type="body"/>
@@ -2513,7 +2277,7 @@
       </p:sp>
       <p:sp>
         <p:nvSpPr>
-          <p:cNvPr id="209" name="Google Shape;209;ga8aa0623b4_3_43:notes"/>
+          <p:cNvPr id="195" name="Google Shape;195;ga8aa0623b4_3_43:notes"/>
           <p:cNvSpPr txBox="1"/>
           <p:nvPr>
             <p:ph idx="12" type="sldNum"/>
@@ -2571,12 +2335,12 @@
 </p:notes>
 </file>
 
-<file path=ppt/notesSlides/notesSlide16.xml><?xml version="1.0" encoding="utf-8"?>
+<file path=ppt/notesSlides/notesSlide14.xml><?xml version="1.0" encoding="utf-8"?>
 <p:notes xmlns:a="http://schemas.openxmlformats.org/drawingml/2006/main" xmlns:r="http://schemas.openxmlformats.org/officeDocument/2006/relationships" xmlns:mc="http://schemas.openxmlformats.org/markup-compatibility/2006" xmlns:mv="urn:schemas-microsoft-com:mac:vml" xmlns:p="http://schemas.openxmlformats.org/presentationml/2006/main" xmlns:c="http://schemas.openxmlformats.org/drawingml/2006/chart" xmlns:dgm="http://schemas.openxmlformats.org/drawingml/2006/diagram" xmlns:o="urn:schemas-microsoft-com:office:office" xmlns:v="urn:schemas-microsoft-com:vml" xmlns:pvml="urn:schemas-microsoft-com:office:powerpoint" xmlns:com="http://schemas.openxmlformats.org/drawingml/2006/compatibility" xmlns:p14="http://schemas.microsoft.com/office/powerpoint/2010/main" xmlns:p15="http://schemas.microsoft.com/office/powerpoint/2012/main" xmlns:ahyp="http://schemas.microsoft.com/office/drawing/2018/hyperlinkcolor" showMasterPhAnim="0" showMasterSp="0">
   <p:cSld>
     <p:spTree>
       <p:nvGrpSpPr>
-        <p:cNvPr id="213" name="Shape 213"/>
+        <p:cNvPr id="199" name="Shape 199"/>
         <p:cNvGrpSpPr/>
         <p:nvPr/>
       </p:nvGrpSpPr>
@@ -2590,7 +2354,7 @@
       </p:grpSpPr>
       <p:sp>
         <p:nvSpPr>
-          <p:cNvPr id="214" name="Google Shape;214;ga8aa0623b4_3_51:notes"/>
+          <p:cNvPr id="200" name="Google Shape;200;ga8aa0623b4_3_51:notes"/>
           <p:cNvSpPr/>
           <p:nvPr>
             <p:ph idx="2" type="sldImg"/>
@@ -2635,7 +2399,7 @@
       </p:sp>
       <p:sp>
         <p:nvSpPr>
-          <p:cNvPr id="215" name="Google Shape;215;ga8aa0623b4_3_51:notes"/>
+          <p:cNvPr id="201" name="Google Shape;201;ga8aa0623b4_3_51:notes"/>
           <p:cNvSpPr txBox="1"/>
           <p:nvPr>
             <p:ph idx="1" type="body"/>
@@ -2682,7 +2446,7 @@
       </p:sp>
       <p:sp>
         <p:nvSpPr>
-          <p:cNvPr id="216" name="Google Shape;216;ga8aa0623b4_3_51:notes"/>
+          <p:cNvPr id="202" name="Google Shape;202;ga8aa0623b4_3_51:notes"/>
           <p:cNvSpPr txBox="1"/>
           <p:nvPr>
             <p:ph idx="12" type="sldNum"/>
@@ -3223,7 +2987,7 @@
       </p:grpSpPr>
       <p:sp>
         <p:nvSpPr>
-          <p:cNvPr id="140" name="Google Shape;140;ga561df5dd9_0_0:notes"/>
+          <p:cNvPr id="140" name="Google Shape;140;ga561df5dd9_0_7:notes"/>
           <p:cNvSpPr txBox="1"/>
           <p:nvPr>
             <p:ph idx="1" type="body"/>
@@ -3270,7 +3034,7 @@
       </p:sp>
       <p:sp>
         <p:nvSpPr>
-          <p:cNvPr id="141" name="Google Shape;141;ga561df5dd9_0_0:notes"/>
+          <p:cNvPr id="141" name="Google Shape;141;ga561df5dd9_0_7:notes"/>
           <p:cNvSpPr/>
           <p:nvPr>
             <p:ph idx="2" type="sldImg"/>
@@ -3340,7 +3104,7 @@
       </p:grpSpPr>
       <p:sp>
         <p:nvSpPr>
-          <p:cNvPr id="146" name="Google Shape;146;ga6a02e6ac1_0_10:notes"/>
+          <p:cNvPr id="146" name="Google Shape;146;ga8aa0623b4_2_90:notes"/>
           <p:cNvSpPr txBox="1"/>
           <p:nvPr>
             <p:ph idx="1" type="body"/>
@@ -3387,7 +3151,7 @@
       </p:sp>
       <p:sp>
         <p:nvSpPr>
-          <p:cNvPr id="147" name="Google Shape;147;ga6a02e6ac1_0_10:notes"/>
+          <p:cNvPr id="147" name="Google Shape;147;ga8aa0623b4_2_90:notes"/>
           <p:cNvSpPr/>
           <p:nvPr>
             <p:ph idx="2" type="sldImg"/>
@@ -3457,7 +3221,7 @@
       </p:grpSpPr>
       <p:sp>
         <p:nvSpPr>
-          <p:cNvPr id="154" name="Google Shape;154;ga561df5dd9_0_7:notes"/>
+          <p:cNvPr id="154" name="Google Shape;154;ga8aa0623b4_3_7:notes"/>
           <p:cNvSpPr txBox="1"/>
           <p:nvPr>
             <p:ph idx="1" type="body"/>
@@ -3504,7 +3268,7 @@
       </p:sp>
       <p:sp>
         <p:nvSpPr>
-          <p:cNvPr id="155" name="Google Shape;155;ga561df5dd9_0_7:notes"/>
+          <p:cNvPr id="155" name="Google Shape;155;ga8aa0623b4_3_7:notes"/>
           <p:cNvSpPr/>
           <p:nvPr>
             <p:ph idx="2" type="sldImg"/>
@@ -3560,7 +3324,7 @@
   <p:cSld>
     <p:spTree>
       <p:nvGrpSpPr>
-        <p:cNvPr id="159" name="Shape 159"/>
+        <p:cNvPr id="162" name="Shape 162"/>
         <p:cNvGrpSpPr/>
         <p:nvPr/>
       </p:nvGrpSpPr>
@@ -3574,7 +3338,7 @@
       </p:grpSpPr>
       <p:sp>
         <p:nvSpPr>
-          <p:cNvPr id="160" name="Google Shape;160;ga8aa0623b4_2_90:notes"/>
+          <p:cNvPr id="163" name="Google Shape;163;ga8aa0623b4_2_25:notes"/>
           <p:cNvSpPr txBox="1"/>
           <p:nvPr>
             <p:ph idx="1" type="body"/>
@@ -3621,7 +3385,7 @@
       </p:sp>
       <p:sp>
         <p:nvSpPr>
-          <p:cNvPr id="161" name="Google Shape;161;ga8aa0623b4_2_90:notes"/>
+          <p:cNvPr id="164" name="Google Shape;164;ga8aa0623b4_2_25:notes"/>
           <p:cNvSpPr/>
           <p:nvPr>
             <p:ph idx="2" type="sldImg"/>
@@ -21219,7 +20983,7 @@
   <p:cSld>
     <p:spTree>
       <p:nvGrpSpPr>
-        <p:cNvPr id="170" name="Shape 170"/>
+        <p:cNvPr id="172" name="Shape 172"/>
         <p:cNvGrpSpPr/>
         <p:nvPr/>
       </p:nvGrpSpPr>
@@ -21233,262 +20997,7 @@
       </p:grpSpPr>
       <p:sp>
         <p:nvSpPr>
-          <p:cNvPr id="171" name="Google Shape;171;ga8aa0623b4_3_7"/>
-          <p:cNvSpPr txBox="1"/>
-          <p:nvPr>
-            <p:ph type="title"/>
-          </p:nvPr>
-        </p:nvSpPr>
-        <p:spPr>
-          <a:xfrm>
-            <a:off x="846351" y="699400"/>
-            <a:ext cx="4494900" cy="1134600"/>
-          </a:xfrm>
-          <a:prstGeom prst="rect">
-            <a:avLst/>
-          </a:prstGeom>
-          <a:solidFill>
-            <a:schemeClr val="lt1"/>
-          </a:solidFill>
-          <a:ln cap="sq" cmpd="sng" w="31750">
-            <a:solidFill>
-              <a:srgbClr val="3F3F3F"/>
-            </a:solidFill>
-            <a:prstDash val="solid"/>
-            <a:miter lim="800000"/>
-            <a:headEnd len="sm" w="sm" type="none"/>
-            <a:tailEnd len="sm" w="sm" type="none"/>
-          </a:ln>
-        </p:spPr>
-        <p:txBody>
-          <a:bodyPr anchorCtr="0" anchor="ctr" bIns="182875" lIns="182875" spcFirstLastPara="1" rIns="182875" wrap="square" tIns="182875">
-            <a:noAutofit/>
-          </a:bodyPr>
-          <a:lstStyle/>
-          <a:p>
-            <a:pPr indent="0" lvl="0" marL="0" rtl="0" algn="ctr">
-              <a:lnSpc>
-                <a:spcPct val="90000"/>
-              </a:lnSpc>
-              <a:spcBef>
-                <a:spcPts val="0"/>
-              </a:spcBef>
-              <a:spcAft>
-                <a:spcPts val="0"/>
-              </a:spcAft>
-              <a:buClr>
-                <a:schemeClr val="dk1"/>
-              </a:buClr>
-              <a:buSzPts val="1100"/>
-              <a:buFont typeface="Arial"/>
-              <a:buNone/>
-            </a:pPr>
-            <a:r>
-              <a:rPr lang="en-IN"/>
-              <a:t>JSON VS BSON</a:t>
-            </a:r>
-            <a:endParaRPr/>
-          </a:p>
-        </p:txBody>
-      </p:sp>
-      <p:sp>
-        <p:nvSpPr>
-          <p:cNvPr id="172" name="Google Shape;172;ga8aa0623b4_3_7"/>
-          <p:cNvSpPr txBox="1"/>
-          <p:nvPr>
-            <p:ph idx="1" type="body"/>
-          </p:nvPr>
-        </p:nvSpPr>
-        <p:spPr>
-          <a:xfrm>
-            <a:off x="436925" y="2327150"/>
-            <a:ext cx="5300400" cy="3739800"/>
-          </a:xfrm>
-          <a:prstGeom prst="rect">
-            <a:avLst/>
-          </a:prstGeom>
-          <a:noFill/>
-          <a:ln>
-            <a:noFill/>
-          </a:ln>
-        </p:spPr>
-        <p:txBody>
-          <a:bodyPr anchorCtr="0" anchor="t" bIns="45700" lIns="91425" spcFirstLastPara="1" rIns="91425" wrap="square" tIns="45700">
-            <a:noAutofit/>
-          </a:bodyPr>
-          <a:lstStyle/>
-          <a:p>
-            <a:pPr indent="0" lvl="0" marL="0" rtl="0" algn="l">
-              <a:lnSpc>
-                <a:spcPct val="100000"/>
-              </a:lnSpc>
-              <a:spcBef>
-                <a:spcPts val="1000"/>
-              </a:spcBef>
-              <a:spcAft>
-                <a:spcPts val="0"/>
-              </a:spcAft>
-              <a:buSzPts val="1100"/>
-              <a:buNone/>
-            </a:pPr>
-            <a:r>
-              <a:rPr lang="en-IN" sz="1800"/>
-              <a:t>* JSON a.k.a JavaScript Object Notation is an open standard file format, and data interchange format, that uses human-readable text to store and transmit data objects consisting of attribute–value pairs and array data types.</a:t>
-            </a:r>
-            <a:endParaRPr sz="1800"/>
-          </a:p>
-          <a:p>
-            <a:pPr indent="0" lvl="0" marL="0" rtl="0" algn="l">
-              <a:lnSpc>
-                <a:spcPct val="100000"/>
-              </a:lnSpc>
-              <a:spcBef>
-                <a:spcPts val="1000"/>
-              </a:spcBef>
-              <a:spcAft>
-                <a:spcPts val="0"/>
-              </a:spcAft>
-              <a:buSzPts val="1100"/>
-              <a:buNone/>
-            </a:pPr>
-            <a:r>
-              <a:rPr lang="en-IN" sz="1800"/>
-              <a:t>*  BSON is a computer data interchange format. The name "BSON" is based on the term JSON and stands for "Binary JSON". It is a binary form for representing simple or complex data structures including associative arrays, integer indexed arrays, and a suite of fundamental scalar types. BSON originated in 2009 at MongoDB.</a:t>
-            </a:r>
-            <a:endParaRPr sz="1800"/>
-          </a:p>
-        </p:txBody>
-      </p:sp>
-      <p:sp>
-        <p:nvSpPr>
-          <p:cNvPr id="173" name="Google Shape;173;ga8aa0623b4_3_7"/>
-          <p:cNvSpPr txBox="1"/>
-          <p:nvPr>
-            <p:ph idx="11" type="ftr"/>
-          </p:nvPr>
-        </p:nvSpPr>
-        <p:spPr>
-          <a:xfrm>
-            <a:off x="808523" y="6236208"/>
-            <a:ext cx="5103600" cy="320100"/>
-          </a:xfrm>
-          <a:prstGeom prst="rect">
-            <a:avLst/>
-          </a:prstGeom>
-          <a:noFill/>
-          <a:ln>
-            <a:noFill/>
-          </a:ln>
-        </p:spPr>
-        <p:txBody>
-          <a:bodyPr anchorCtr="0" anchor="ctr" bIns="45700" lIns="91425" spcFirstLastPara="1" rIns="91425" wrap="square" tIns="45700">
-            <a:noAutofit/>
-          </a:bodyPr>
-          <a:lstStyle/>
-          <a:p>
-            <a:pPr indent="0" lvl="0" marL="0" rtl="0" algn="l">
-              <a:lnSpc>
-                <a:spcPct val="100000"/>
-              </a:lnSpc>
-              <a:spcBef>
-                <a:spcPts val="0"/>
-              </a:spcBef>
-              <a:spcAft>
-                <a:spcPts val="0"/>
-              </a:spcAft>
-              <a:buSzPts val="1400"/>
-              <a:buNone/>
-            </a:pPr>
-            <a:r>
-              <a:rPr lang="en-IN"/>
-              <a:t>TechBairn &amp; opendevs</a:t>
-            </a:r>
-            <a:endParaRPr/>
-          </a:p>
-        </p:txBody>
-      </p:sp>
-      <p:pic>
-        <p:nvPicPr>
-          <p:cNvPr id="174" name="Google Shape;174;ga8aa0623b4_3_7"/>
-          <p:cNvPicPr preferRelativeResize="0"/>
-          <p:nvPr/>
-        </p:nvPicPr>
-        <p:blipFill rotWithShape="1">
-          <a:blip r:embed="rId3">
-            <a:alphaModFix/>
-          </a:blip>
-          <a:srcRect b="45286" l="52998" r="0" t="0"/>
-          <a:stretch/>
-        </p:blipFill>
-        <p:spPr>
-          <a:xfrm>
-            <a:off x="7630700" y="1115025"/>
-            <a:ext cx="3111024" cy="1639575"/>
-          </a:xfrm>
-          <a:prstGeom prst="rect">
-            <a:avLst/>
-          </a:prstGeom>
-          <a:noFill/>
-          <a:ln>
-            <a:noFill/>
-          </a:ln>
-        </p:spPr>
-      </p:pic>
-      <p:pic>
-        <p:nvPicPr>
-          <p:cNvPr id="175" name="Google Shape;175;ga8aa0623b4_3_7"/>
-          <p:cNvPicPr preferRelativeResize="0"/>
-          <p:nvPr/>
-        </p:nvPicPr>
-        <p:blipFill rotWithShape="1">
-          <a:blip r:embed="rId4">
-            <a:alphaModFix/>
-          </a:blip>
-          <a:srcRect b="0" l="45166" r="0" t="0"/>
-          <a:stretch/>
-        </p:blipFill>
-        <p:spPr>
-          <a:xfrm>
-            <a:off x="7630700" y="3572875"/>
-            <a:ext cx="3111026" cy="2876675"/>
-          </a:xfrm>
-          <a:prstGeom prst="rect">
-            <a:avLst/>
-          </a:prstGeom>
-          <a:noFill/>
-          <a:ln>
-            <a:noFill/>
-          </a:ln>
-        </p:spPr>
-      </p:pic>
-    </p:spTree>
-  </p:cSld>
-  <p:clrMapOvr>
-    <a:masterClrMapping/>
-  </p:clrMapOvr>
-</p:sld>
-</file>
-
-<file path=ppt/slides/slide11.xml><?xml version="1.0" encoding="utf-8"?>
-<p:sld xmlns:a="http://schemas.openxmlformats.org/drawingml/2006/main" xmlns:r="http://schemas.openxmlformats.org/officeDocument/2006/relationships" xmlns:mc="http://schemas.openxmlformats.org/markup-compatibility/2006" xmlns:mv="urn:schemas-microsoft-com:mac:vml" xmlns:p="http://schemas.openxmlformats.org/presentationml/2006/main" xmlns:c="http://schemas.openxmlformats.org/drawingml/2006/chart" xmlns:dgm="http://schemas.openxmlformats.org/drawingml/2006/diagram" xmlns:o="urn:schemas-microsoft-com:office:office" xmlns:v="urn:schemas-microsoft-com:vml" xmlns:pvml="urn:schemas-microsoft-com:office:powerpoint" xmlns:com="http://schemas.openxmlformats.org/drawingml/2006/compatibility" xmlns:p14="http://schemas.microsoft.com/office/powerpoint/2010/main" xmlns:p15="http://schemas.microsoft.com/office/powerpoint/2012/main" xmlns:ahyp="http://schemas.microsoft.com/office/drawing/2018/hyperlinkcolor">
-  <p:cSld>
-    <p:spTree>
-      <p:nvGrpSpPr>
-        <p:cNvPr id="179" name="Shape 179"/>
-        <p:cNvGrpSpPr/>
-        <p:nvPr/>
-      </p:nvGrpSpPr>
-      <p:grpSpPr>
-        <a:xfrm>
-          <a:off x="0" y="0"/>
-          <a:ext cx="0" cy="0"/>
-          <a:chOff x="0" y="0"/>
-          <a:chExt cx="0" cy="0"/>
-        </a:xfrm>
-      </p:grpSpPr>
-      <p:sp>
-        <p:nvSpPr>
-          <p:cNvPr id="180" name="Google Shape;180;ga8aa0623b4_2_25"/>
+          <p:cNvPr id="173" name="Google Shape;173;ga8aa0623b4_3_17"/>
           <p:cNvSpPr txBox="1"/>
           <p:nvPr>
             <p:ph type="title"/>
@@ -21540,7 +21049,7 @@
             </a:pPr>
             <a:r>
               <a:rPr lang="en-IN"/>
-              <a:t>CONVERSION</a:t>
+              <a:t>MONGO STRUCTURE &amp; ARCHITECTURE</a:t>
             </a:r>
             <a:endParaRPr/>
           </a:p>
@@ -21548,7 +21057,7 @@
       </p:sp>
       <p:sp>
         <p:nvSpPr>
-          <p:cNvPr id="181" name="Google Shape;181;ga8aa0623b4_2_25"/>
+          <p:cNvPr id="174" name="Google Shape;174;ga8aa0623b4_3_17"/>
           <p:cNvSpPr txBox="1"/>
           <p:nvPr>
             <p:ph idx="11" type="ftr"/>
@@ -21596,167 +21105,7 @@
       </p:sp>
       <p:pic>
         <p:nvPicPr>
-          <p:cNvPr id="182" name="Google Shape;182;ga8aa0623b4_2_25"/>
-          <p:cNvPicPr preferRelativeResize="0"/>
-          <p:nvPr/>
-        </p:nvPicPr>
-        <p:blipFill rotWithShape="1">
-          <a:blip r:embed="rId3">
-            <a:alphaModFix amt="90000"/>
-          </a:blip>
-          <a:srcRect b="0" l="0" r="0" t="0"/>
-          <a:stretch/>
-        </p:blipFill>
-        <p:spPr>
-          <a:xfrm>
-            <a:off x="2481238" y="2078125"/>
-            <a:ext cx="7229524" cy="3808750"/>
-          </a:xfrm>
-          <a:prstGeom prst="rect">
-            <a:avLst/>
-          </a:prstGeom>
-          <a:noFill/>
-          <a:ln>
-            <a:noFill/>
-          </a:ln>
-        </p:spPr>
-      </p:pic>
-    </p:spTree>
-  </p:cSld>
-  <p:clrMapOvr>
-    <a:masterClrMapping/>
-  </p:clrMapOvr>
-</p:sld>
-</file>
-
-<file path=ppt/slides/slide12.xml><?xml version="1.0" encoding="utf-8"?>
-<p:sld xmlns:a="http://schemas.openxmlformats.org/drawingml/2006/main" xmlns:r="http://schemas.openxmlformats.org/officeDocument/2006/relationships" xmlns:mc="http://schemas.openxmlformats.org/markup-compatibility/2006" xmlns:mv="urn:schemas-microsoft-com:mac:vml" xmlns:p="http://schemas.openxmlformats.org/presentationml/2006/main" xmlns:c="http://schemas.openxmlformats.org/drawingml/2006/chart" xmlns:dgm="http://schemas.openxmlformats.org/drawingml/2006/diagram" xmlns:o="urn:schemas-microsoft-com:office:office" xmlns:v="urn:schemas-microsoft-com:vml" xmlns:pvml="urn:schemas-microsoft-com:office:powerpoint" xmlns:com="http://schemas.openxmlformats.org/drawingml/2006/compatibility" xmlns:p14="http://schemas.microsoft.com/office/powerpoint/2010/main" xmlns:p15="http://schemas.microsoft.com/office/powerpoint/2012/main" xmlns:ahyp="http://schemas.microsoft.com/office/drawing/2018/hyperlinkcolor">
-  <p:cSld>
-    <p:spTree>
-      <p:nvGrpSpPr>
-        <p:cNvPr id="186" name="Shape 186"/>
-        <p:cNvGrpSpPr/>
-        <p:nvPr/>
-      </p:nvGrpSpPr>
-      <p:grpSpPr>
-        <a:xfrm>
-          <a:off x="0" y="0"/>
-          <a:ext cx="0" cy="0"/>
-          <a:chOff x="0" y="0"/>
-          <a:chExt cx="0" cy="0"/>
-        </a:xfrm>
-      </p:grpSpPr>
-      <p:sp>
-        <p:nvSpPr>
-          <p:cNvPr id="187" name="Google Shape;187;ga8aa0623b4_3_17"/>
-          <p:cNvSpPr txBox="1"/>
-          <p:nvPr>
-            <p:ph type="title"/>
-          </p:nvPr>
-        </p:nvSpPr>
-        <p:spPr>
-          <a:xfrm>
-            <a:off x="2231111" y="698717"/>
-            <a:ext cx="7729800" cy="1188600"/>
-          </a:xfrm>
-          <a:prstGeom prst="rect">
-            <a:avLst/>
-          </a:prstGeom>
-          <a:solidFill>
-            <a:schemeClr val="lt1"/>
-          </a:solidFill>
-          <a:ln cap="sq" cmpd="sng" w="31750">
-            <a:solidFill>
-              <a:srgbClr val="3F3F3F"/>
-            </a:solidFill>
-            <a:prstDash val="solid"/>
-            <a:miter lim="800000"/>
-            <a:headEnd len="sm" w="sm" type="none"/>
-            <a:tailEnd len="sm" w="sm" type="none"/>
-          </a:ln>
-        </p:spPr>
-        <p:txBody>
-          <a:bodyPr anchorCtr="0" anchor="ctr" bIns="182875" lIns="182875" spcFirstLastPara="1" rIns="182875" wrap="square" tIns="182875">
-            <a:noAutofit/>
-          </a:bodyPr>
-          <a:lstStyle/>
-          <a:p>
-            <a:pPr indent="0" lvl="0" marL="0" rtl="0" algn="ctr">
-              <a:lnSpc>
-                <a:spcPct val="90000"/>
-              </a:lnSpc>
-              <a:spcBef>
-                <a:spcPts val="0"/>
-              </a:spcBef>
-              <a:spcAft>
-                <a:spcPts val="0"/>
-              </a:spcAft>
-              <a:buClr>
-                <a:srgbClr val="262626"/>
-              </a:buClr>
-              <a:buSzPts val="2800"/>
-              <a:buFont typeface="Gill Sans"/>
-              <a:buNone/>
-            </a:pPr>
-            <a:r>
-              <a:rPr lang="en-IN"/>
-              <a:t>MONGO STRUCTURE &amp; ARCHITECTURE</a:t>
-            </a:r>
-            <a:endParaRPr/>
-          </a:p>
-        </p:txBody>
-      </p:sp>
-      <p:sp>
-        <p:nvSpPr>
-          <p:cNvPr id="188" name="Google Shape;188;ga8aa0623b4_3_17"/>
-          <p:cNvSpPr txBox="1"/>
-          <p:nvPr>
-            <p:ph idx="11" type="ftr"/>
-          </p:nvPr>
-        </p:nvSpPr>
-        <p:spPr>
-          <a:xfrm>
-            <a:off x="1600200" y="6236208"/>
-            <a:ext cx="5901300" cy="320100"/>
-          </a:xfrm>
-          <a:prstGeom prst="rect">
-            <a:avLst/>
-          </a:prstGeom>
-          <a:noFill/>
-          <a:ln>
-            <a:noFill/>
-          </a:ln>
-        </p:spPr>
-        <p:txBody>
-          <a:bodyPr anchorCtr="0" anchor="ctr" bIns="45700" lIns="91425" spcFirstLastPara="1" rIns="91425" wrap="square" tIns="45700">
-            <a:noAutofit/>
-          </a:bodyPr>
-          <a:lstStyle/>
-          <a:p>
-            <a:pPr indent="0" lvl="0" marL="0" rtl="0" algn="l">
-              <a:lnSpc>
-                <a:spcPct val="100000"/>
-              </a:lnSpc>
-              <a:spcBef>
-                <a:spcPts val="0"/>
-              </a:spcBef>
-              <a:spcAft>
-                <a:spcPts val="0"/>
-              </a:spcAft>
-              <a:buSzPts val="1400"/>
-              <a:buNone/>
-            </a:pPr>
-            <a:r>
-              <a:rPr lang="en-IN"/>
-              <a:t>TechBairn &amp; opendevs</a:t>
-            </a:r>
-            <a:endParaRPr/>
-          </a:p>
-        </p:txBody>
-      </p:sp>
-      <p:pic>
-        <p:nvPicPr>
-          <p:cNvPr id="189" name="Google Shape;189;ga8aa0623b4_3_17"/>
+          <p:cNvPr id="175" name="Google Shape;175;ga8aa0623b4_3_17"/>
           <p:cNvPicPr preferRelativeResize="0"/>
           <p:nvPr/>
         </p:nvPicPr>
@@ -21783,7 +21132,7 @@
       </p:pic>
       <p:pic>
         <p:nvPicPr>
-          <p:cNvPr id="190" name="Google Shape;190;ga8aa0623b4_3_17"/>
+          <p:cNvPr id="176" name="Google Shape;176;ga8aa0623b4_3_17"/>
           <p:cNvPicPr preferRelativeResize="0"/>
           <p:nvPr/>
         </p:nvPicPr>
@@ -21816,12 +21165,12 @@
 </p:sld>
 </file>
 
-<file path=ppt/slides/slide13.xml><?xml version="1.0" encoding="utf-8"?>
+<file path=ppt/slides/slide11.xml><?xml version="1.0" encoding="utf-8"?>
 <p:sld xmlns:a="http://schemas.openxmlformats.org/drawingml/2006/main" xmlns:r="http://schemas.openxmlformats.org/officeDocument/2006/relationships" xmlns:mc="http://schemas.openxmlformats.org/markup-compatibility/2006" xmlns:mv="urn:schemas-microsoft-com:mac:vml" xmlns:p="http://schemas.openxmlformats.org/presentationml/2006/main" xmlns:c="http://schemas.openxmlformats.org/drawingml/2006/chart" xmlns:dgm="http://schemas.openxmlformats.org/drawingml/2006/diagram" xmlns:o="urn:schemas-microsoft-com:office:office" xmlns:v="urn:schemas-microsoft-com:vml" xmlns:pvml="urn:schemas-microsoft-com:office:powerpoint" xmlns:com="http://schemas.openxmlformats.org/drawingml/2006/compatibility" xmlns:p14="http://schemas.microsoft.com/office/powerpoint/2010/main" xmlns:p15="http://schemas.microsoft.com/office/powerpoint/2012/main" xmlns:ahyp="http://schemas.microsoft.com/office/drawing/2018/hyperlinkcolor">
   <p:cSld>
     <p:spTree>
       <p:nvGrpSpPr>
-        <p:cNvPr id="194" name="Shape 194"/>
+        <p:cNvPr id="180" name="Shape 180"/>
         <p:cNvGrpSpPr/>
         <p:nvPr/>
       </p:nvGrpSpPr>
@@ -21835,7 +21184,7 @@
       </p:grpSpPr>
       <p:sp>
         <p:nvSpPr>
-          <p:cNvPr id="195" name="Google Shape;195;ga8aa0623b4_2_55"/>
+          <p:cNvPr id="181" name="Google Shape;181;ga8aa0623b4_2_55"/>
           <p:cNvSpPr txBox="1"/>
           <p:nvPr>
             <p:ph type="title"/>
@@ -21895,7 +21244,7 @@
       </p:sp>
       <p:sp>
         <p:nvSpPr>
-          <p:cNvPr id="196" name="Google Shape;196;ga8aa0623b4_2_55"/>
+          <p:cNvPr id="182" name="Google Shape;182;ga8aa0623b4_2_55"/>
           <p:cNvSpPr txBox="1"/>
           <p:nvPr>
             <p:ph idx="11" type="ftr"/>
@@ -21943,7 +21292,7 @@
       </p:sp>
       <p:sp>
         <p:nvSpPr>
-          <p:cNvPr id="197" name="Google Shape;197;ga8aa0623b4_2_55"/>
+          <p:cNvPr id="183" name="Google Shape;183;ga8aa0623b4_2_55"/>
           <p:cNvSpPr txBox="1"/>
           <p:nvPr>
             <p:ph idx="11" type="ftr"/>
@@ -21997,12 +21346,12 @@
 </p:sld>
 </file>
 
-<file path=ppt/slides/slide14.xml><?xml version="1.0" encoding="utf-8"?>
+<file path=ppt/slides/slide12.xml><?xml version="1.0" encoding="utf-8"?>
 <p:sld xmlns:a="http://schemas.openxmlformats.org/drawingml/2006/main" xmlns:r="http://schemas.openxmlformats.org/officeDocument/2006/relationships" xmlns:mc="http://schemas.openxmlformats.org/markup-compatibility/2006" xmlns:mv="urn:schemas-microsoft-com:mac:vml" xmlns:p="http://schemas.openxmlformats.org/presentationml/2006/main" xmlns:c="http://schemas.openxmlformats.org/drawingml/2006/chart" xmlns:dgm="http://schemas.openxmlformats.org/drawingml/2006/diagram" xmlns:o="urn:schemas-microsoft-com:office:office" xmlns:v="urn:schemas-microsoft-com:vml" xmlns:pvml="urn:schemas-microsoft-com:office:powerpoint" xmlns:com="http://schemas.openxmlformats.org/drawingml/2006/compatibility" xmlns:p14="http://schemas.microsoft.com/office/powerpoint/2010/main" xmlns:p15="http://schemas.microsoft.com/office/powerpoint/2012/main" xmlns:ahyp="http://schemas.microsoft.com/office/drawing/2018/hyperlinkcolor">
   <p:cSld>
     <p:spTree>
       <p:nvGrpSpPr>
-        <p:cNvPr id="201" name="Shape 201"/>
+        <p:cNvPr id="187" name="Shape 187"/>
         <p:cNvGrpSpPr/>
         <p:nvPr/>
       </p:nvGrpSpPr>
@@ -22016,7 +21365,7 @@
       </p:grpSpPr>
       <p:sp>
         <p:nvSpPr>
-          <p:cNvPr id="202" name="Google Shape;202;ga8aa0623b4_3_28"/>
+          <p:cNvPr id="188" name="Google Shape;188;ga8aa0623b4_3_28"/>
           <p:cNvSpPr txBox="1"/>
           <p:nvPr>
             <p:ph type="title"/>
@@ -22076,7 +21425,7 @@
       </p:sp>
       <p:sp>
         <p:nvSpPr>
-          <p:cNvPr id="203" name="Google Shape;203;ga8aa0623b4_3_28"/>
+          <p:cNvPr id="189" name="Google Shape;189;ga8aa0623b4_3_28"/>
           <p:cNvSpPr txBox="1"/>
           <p:nvPr>
             <p:ph idx="1" type="body"/>
@@ -22206,7 +21555,7 @@
       </p:sp>
       <p:sp>
         <p:nvSpPr>
-          <p:cNvPr id="204" name="Google Shape;204;ga8aa0623b4_3_28"/>
+          <p:cNvPr id="190" name="Google Shape;190;ga8aa0623b4_3_28"/>
           <p:cNvSpPr txBox="1"/>
           <p:nvPr>
             <p:ph idx="11" type="ftr"/>
@@ -22254,7 +21603,7 @@
       </p:sp>
       <p:pic>
         <p:nvPicPr>
-          <p:cNvPr id="205" name="Google Shape;205;ga8aa0623b4_3_28"/>
+          <p:cNvPr id="191" name="Google Shape;191;ga8aa0623b4_3_28"/>
           <p:cNvPicPr preferRelativeResize="0"/>
           <p:nvPr/>
         </p:nvPicPr>
@@ -22287,12 +21636,12 @@
 </p:sld>
 </file>
 
-<file path=ppt/slides/slide15.xml><?xml version="1.0" encoding="utf-8"?>
+<file path=ppt/slides/slide13.xml><?xml version="1.0" encoding="utf-8"?>
 <p:sld xmlns:a="http://schemas.openxmlformats.org/drawingml/2006/main" xmlns:r="http://schemas.openxmlformats.org/officeDocument/2006/relationships" xmlns:mc="http://schemas.openxmlformats.org/markup-compatibility/2006" xmlns:mv="urn:schemas-microsoft-com:mac:vml" xmlns:p="http://schemas.openxmlformats.org/presentationml/2006/main" xmlns:c="http://schemas.openxmlformats.org/drawingml/2006/chart" xmlns:dgm="http://schemas.openxmlformats.org/drawingml/2006/diagram" xmlns:o="urn:schemas-microsoft-com:office:office" xmlns:v="urn:schemas-microsoft-com:vml" xmlns:pvml="urn:schemas-microsoft-com:office:powerpoint" xmlns:com="http://schemas.openxmlformats.org/drawingml/2006/compatibility" xmlns:p14="http://schemas.microsoft.com/office/powerpoint/2010/main" xmlns:p15="http://schemas.microsoft.com/office/powerpoint/2012/main" xmlns:ahyp="http://schemas.microsoft.com/office/drawing/2018/hyperlinkcolor">
   <p:cSld>
     <p:spTree>
       <p:nvGrpSpPr>
-        <p:cNvPr id="210" name="Shape 210"/>
+        <p:cNvPr id="196" name="Shape 196"/>
         <p:cNvGrpSpPr/>
         <p:nvPr/>
       </p:nvGrpSpPr>
@@ -22306,7 +21655,7 @@
       </p:grpSpPr>
       <p:sp>
         <p:nvSpPr>
-          <p:cNvPr id="211" name="Google Shape;211;ga8aa0623b4_3_43"/>
+          <p:cNvPr id="197" name="Google Shape;197;ga8aa0623b4_3_43"/>
           <p:cNvSpPr txBox="1"/>
           <p:nvPr>
             <p:ph type="title"/>
@@ -22362,7 +21711,7 @@
       </p:sp>
       <p:pic>
         <p:nvPicPr>
-          <p:cNvPr id="212" name="Google Shape;212;ga8aa0623b4_3_43"/>
+          <p:cNvPr id="198" name="Google Shape;198;ga8aa0623b4_3_43"/>
           <p:cNvPicPr preferRelativeResize="0"/>
           <p:nvPr/>
         </p:nvPicPr>
@@ -22395,12 +21744,12 @@
 </p:sld>
 </file>
 
-<file path=ppt/slides/slide16.xml><?xml version="1.0" encoding="utf-8"?>
+<file path=ppt/slides/slide14.xml><?xml version="1.0" encoding="utf-8"?>
 <p:sld xmlns:a="http://schemas.openxmlformats.org/drawingml/2006/main" xmlns:r="http://schemas.openxmlformats.org/officeDocument/2006/relationships" xmlns:mc="http://schemas.openxmlformats.org/markup-compatibility/2006" xmlns:mv="urn:schemas-microsoft-com:mac:vml" xmlns:p="http://schemas.openxmlformats.org/presentationml/2006/main" xmlns:c="http://schemas.openxmlformats.org/drawingml/2006/chart" xmlns:dgm="http://schemas.openxmlformats.org/drawingml/2006/diagram" xmlns:o="urn:schemas-microsoft-com:office:office" xmlns:v="urn:schemas-microsoft-com:vml" xmlns:pvml="urn:schemas-microsoft-com:office:powerpoint" xmlns:com="http://schemas.openxmlformats.org/drawingml/2006/compatibility" xmlns:p14="http://schemas.microsoft.com/office/powerpoint/2010/main" xmlns:p15="http://schemas.microsoft.com/office/powerpoint/2012/main" xmlns:ahyp="http://schemas.microsoft.com/office/drawing/2018/hyperlinkcolor">
   <p:cSld>
     <p:spTree>
       <p:nvGrpSpPr>
-        <p:cNvPr id="217" name="Shape 217"/>
+        <p:cNvPr id="203" name="Shape 203"/>
         <p:cNvGrpSpPr/>
         <p:nvPr/>
       </p:nvGrpSpPr>
@@ -22414,7 +21763,7 @@
       </p:grpSpPr>
       <p:sp>
         <p:nvSpPr>
-          <p:cNvPr id="218" name="Google Shape;218;ga8aa0623b4_3_51"/>
+          <p:cNvPr id="204" name="Google Shape;204;ga8aa0623b4_3_51"/>
           <p:cNvSpPr txBox="1"/>
           <p:nvPr>
             <p:ph type="title"/>
@@ -22470,7 +21819,7 @@
       </p:sp>
       <p:sp>
         <p:nvSpPr>
-          <p:cNvPr id="219" name="Google Shape;219;ga8aa0623b4_3_51"/>
+          <p:cNvPr id="205" name="Google Shape;205;ga8aa0623b4_3_51"/>
           <p:cNvSpPr txBox="1"/>
           <p:nvPr>
             <p:ph idx="1" type="body"/>
@@ -22626,7 +21975,7 @@
       </p:sp>
       <p:sp>
         <p:nvSpPr>
-          <p:cNvPr id="220" name="Google Shape;220;ga8aa0623b4_3_51"/>
+          <p:cNvPr id="206" name="Google Shape;206;ga8aa0623b4_3_51"/>
           <p:cNvSpPr txBox="1"/>
           <p:nvPr>
             <p:ph idx="1" type="body"/>
@@ -23800,7 +23149,7 @@
       </p:grpSpPr>
       <p:sp>
         <p:nvSpPr>
-          <p:cNvPr id="143" name="Google Shape;143;ga561df5dd9_0_0"/>
+          <p:cNvPr id="143" name="Google Shape;143;ga561df5dd9_0_7"/>
           <p:cNvSpPr txBox="1"/>
           <p:nvPr>
             <p:ph type="title"/>
@@ -23852,7 +23201,7 @@
             </a:pPr>
             <a:r>
               <a:rPr lang="en-IN"/>
-              <a:t>MORE ON NOSQL</a:t>
+              <a:t>MONGODB BASICS</a:t>
             </a:r>
             <a:endParaRPr/>
           </a:p>
@@ -23860,7 +23209,7 @@
       </p:sp>
       <p:sp>
         <p:nvSpPr>
-          <p:cNvPr id="144" name="Google Shape;144;ga561df5dd9_0_0"/>
+          <p:cNvPr id="144" name="Google Shape;144;ga561df5dd9_0_7"/>
           <p:cNvSpPr txBox="1"/>
           <p:nvPr>
             <p:ph idx="11" type="ftr"/>
@@ -23933,401 +23282,7 @@
       </p:grpSpPr>
       <p:sp>
         <p:nvSpPr>
-          <p:cNvPr id="149" name="Google Shape;149;ga6a02e6ac1_0_10"/>
-          <p:cNvSpPr txBox="1"/>
-          <p:nvPr>
-            <p:ph type="title"/>
-          </p:nvPr>
-        </p:nvSpPr>
-        <p:spPr>
-          <a:xfrm>
-            <a:off x="846351" y="528425"/>
-            <a:ext cx="4494900" cy="1134600"/>
-          </a:xfrm>
-          <a:prstGeom prst="rect">
-            <a:avLst/>
-          </a:prstGeom>
-          <a:solidFill>
-            <a:schemeClr val="lt1"/>
-          </a:solidFill>
-          <a:ln cap="sq" cmpd="sng" w="31750">
-            <a:solidFill>
-              <a:srgbClr val="3F3F3F"/>
-            </a:solidFill>
-            <a:prstDash val="solid"/>
-            <a:miter lim="800000"/>
-            <a:headEnd len="sm" w="sm" type="none"/>
-            <a:tailEnd len="sm" w="sm" type="none"/>
-          </a:ln>
-        </p:spPr>
-        <p:txBody>
-          <a:bodyPr anchorCtr="0" anchor="ctr" bIns="182875" lIns="182875" spcFirstLastPara="1" rIns="182875" wrap="square" tIns="182875">
-            <a:noAutofit/>
-          </a:bodyPr>
-          <a:lstStyle/>
-          <a:p>
-            <a:pPr indent="0" lvl="0" marL="0" rtl="0" algn="ctr">
-              <a:lnSpc>
-                <a:spcPct val="90000"/>
-              </a:lnSpc>
-              <a:spcBef>
-                <a:spcPts val="0"/>
-              </a:spcBef>
-              <a:spcAft>
-                <a:spcPts val="0"/>
-              </a:spcAft>
-              <a:buClr>
-                <a:srgbClr val="262626"/>
-              </a:buClr>
-              <a:buSzPts val="2800"/>
-              <a:buFont typeface="Gill Sans"/>
-              <a:buNone/>
-            </a:pPr>
-            <a:r>
-              <a:rPr lang="en-IN"/>
-              <a:t>MORE ON NOSQL</a:t>
-            </a:r>
-            <a:endParaRPr/>
-          </a:p>
-        </p:txBody>
-      </p:sp>
-      <p:sp>
-        <p:nvSpPr>
-          <p:cNvPr id="150" name="Google Shape;150;ga6a02e6ac1_0_10"/>
-          <p:cNvSpPr txBox="1"/>
-          <p:nvPr>
-            <p:ph idx="1" type="body"/>
-          </p:nvPr>
-        </p:nvSpPr>
-        <p:spPr>
-          <a:xfrm>
-            <a:off x="341900" y="1738250"/>
-            <a:ext cx="5503800" cy="4319100"/>
-          </a:xfrm>
-          <a:prstGeom prst="rect">
-            <a:avLst/>
-          </a:prstGeom>
-          <a:noFill/>
-          <a:ln>
-            <a:noFill/>
-          </a:ln>
-        </p:spPr>
-        <p:txBody>
-          <a:bodyPr anchorCtr="0" anchor="t" bIns="45700" lIns="91425" spcFirstLastPara="1" rIns="91425" wrap="square" tIns="45700">
-            <a:noAutofit/>
-          </a:bodyPr>
-          <a:lstStyle/>
-          <a:p>
-            <a:pPr indent="0" lvl="0" marL="0" rtl="0" algn="l">
-              <a:lnSpc>
-                <a:spcPct val="100000"/>
-              </a:lnSpc>
-              <a:spcBef>
-                <a:spcPts val="1000"/>
-              </a:spcBef>
-              <a:spcAft>
-                <a:spcPts val="0"/>
-              </a:spcAft>
-              <a:buSzPts val="1100"/>
-              <a:buNone/>
-            </a:pPr>
-            <a:r>
-              <a:rPr lang="en-IN" sz="1800"/>
-              <a:t>* NoSQL databases (aka "not only SQL") are non tabular, and store data differently than relational tables. NoSQL databases come in a variety of types based on their data model. They provide flexible schemas and scale easily with large amounts of data and high user loads.</a:t>
-            </a:r>
-            <a:endParaRPr sz="1800"/>
-          </a:p>
-          <a:p>
-            <a:pPr indent="0" lvl="0" marL="0" rtl="0" algn="l">
-              <a:lnSpc>
-                <a:spcPct val="100000"/>
-              </a:lnSpc>
-              <a:spcBef>
-                <a:spcPts val="1000"/>
-              </a:spcBef>
-              <a:spcAft>
-                <a:spcPts val="0"/>
-              </a:spcAft>
-              <a:buClr>
-                <a:schemeClr val="dk1"/>
-              </a:buClr>
-              <a:buSzPts val="1100"/>
-              <a:buFont typeface="Arial"/>
-              <a:buNone/>
-            </a:pPr>
-            <a:r>
-              <a:rPr lang="en-IN" sz="1800"/>
-              <a:t>* NoSQL data models allow related data to be nested within a single data structure.</a:t>
-            </a:r>
-            <a:endParaRPr sz="1800"/>
-          </a:p>
-          <a:p>
-            <a:pPr indent="0" lvl="0" marL="0" rtl="0" algn="l">
-              <a:lnSpc>
-                <a:spcPct val="100000"/>
-              </a:lnSpc>
-              <a:spcBef>
-                <a:spcPts val="1000"/>
-              </a:spcBef>
-              <a:spcAft>
-                <a:spcPts val="0"/>
-              </a:spcAft>
-              <a:buSzPts val="1100"/>
-              <a:buNone/>
-            </a:pPr>
-            <a:r>
-              <a:rPr lang="en-IN" sz="1800"/>
-              <a:t>* NoSQL databases emerged in the late 2000s as the cost of storage dramatically decreased. Gone were the days of needing to create a complex, difficult-to-manage data model simply for the purposes of reducing data duplication. Developers (rather than storage) were becoming the primary cost of software development, so NoSQL databases optimized for developer productivity.</a:t>
-            </a:r>
-            <a:endParaRPr sz="1800"/>
-          </a:p>
-        </p:txBody>
-      </p:sp>
-      <p:sp>
-        <p:nvSpPr>
-          <p:cNvPr id="151" name="Google Shape;151;ga6a02e6ac1_0_10"/>
-          <p:cNvSpPr txBox="1"/>
-          <p:nvPr>
-            <p:ph idx="11" type="ftr"/>
-          </p:nvPr>
-        </p:nvSpPr>
-        <p:spPr>
-          <a:xfrm>
-            <a:off x="808523" y="6236208"/>
-            <a:ext cx="5103600" cy="320100"/>
-          </a:xfrm>
-          <a:prstGeom prst="rect">
-            <a:avLst/>
-          </a:prstGeom>
-          <a:noFill/>
-          <a:ln>
-            <a:noFill/>
-          </a:ln>
-        </p:spPr>
-        <p:txBody>
-          <a:bodyPr anchorCtr="0" anchor="ctr" bIns="45700" lIns="91425" spcFirstLastPara="1" rIns="91425" wrap="square" tIns="45700">
-            <a:noAutofit/>
-          </a:bodyPr>
-          <a:lstStyle/>
-          <a:p>
-            <a:pPr indent="0" lvl="0" marL="0" rtl="0" algn="l">
-              <a:lnSpc>
-                <a:spcPct val="100000"/>
-              </a:lnSpc>
-              <a:spcBef>
-                <a:spcPts val="0"/>
-              </a:spcBef>
-              <a:spcAft>
-                <a:spcPts val="0"/>
-              </a:spcAft>
-              <a:buSzPts val="1400"/>
-              <a:buNone/>
-            </a:pPr>
-            <a:r>
-              <a:rPr lang="en-IN"/>
-              <a:t>TechBairn &amp; opendevs</a:t>
-            </a:r>
-            <a:endParaRPr/>
-          </a:p>
-        </p:txBody>
-      </p:sp>
-      <p:pic>
-        <p:nvPicPr>
-          <p:cNvPr id="152" name="Google Shape;152;ga6a02e6ac1_0_10">
-            <a:hlinkClick r:id="rId3"/>
-          </p:cNvPr>
-          <p:cNvPicPr preferRelativeResize="0"/>
-          <p:nvPr/>
-        </p:nvPicPr>
-        <p:blipFill rotWithShape="1">
-          <a:blip r:embed="rId4">
-            <a:alphaModFix/>
-          </a:blip>
-          <a:srcRect b="0" l="0" r="0" t="0"/>
-          <a:stretch/>
-        </p:blipFill>
-        <p:spPr>
-          <a:xfrm>
-            <a:off x="6213525" y="1946350"/>
-            <a:ext cx="5889826" cy="3557975"/>
-          </a:xfrm>
-          <a:prstGeom prst="rect">
-            <a:avLst/>
-          </a:prstGeom>
-          <a:noFill/>
-          <a:ln>
-            <a:noFill/>
-          </a:ln>
-        </p:spPr>
-      </p:pic>
-    </p:spTree>
-  </p:cSld>
-  <p:clrMapOvr>
-    <a:masterClrMapping/>
-  </p:clrMapOvr>
-</p:sld>
-</file>
-
-<file path=ppt/slides/slide8.xml><?xml version="1.0" encoding="utf-8"?>
-<p:sld xmlns:a="http://schemas.openxmlformats.org/drawingml/2006/main" xmlns:r="http://schemas.openxmlformats.org/officeDocument/2006/relationships" xmlns:mc="http://schemas.openxmlformats.org/markup-compatibility/2006" xmlns:mv="urn:schemas-microsoft-com:mac:vml" xmlns:p="http://schemas.openxmlformats.org/presentationml/2006/main" xmlns:c="http://schemas.openxmlformats.org/drawingml/2006/chart" xmlns:dgm="http://schemas.openxmlformats.org/drawingml/2006/diagram" xmlns:o="urn:schemas-microsoft-com:office:office" xmlns:v="urn:schemas-microsoft-com:vml" xmlns:pvml="urn:schemas-microsoft-com:office:powerpoint" xmlns:com="http://schemas.openxmlformats.org/drawingml/2006/compatibility" xmlns:p14="http://schemas.microsoft.com/office/powerpoint/2010/main" xmlns:p15="http://schemas.microsoft.com/office/powerpoint/2012/main" xmlns:ahyp="http://schemas.microsoft.com/office/drawing/2018/hyperlinkcolor">
-  <p:cSld>
-    <p:bg>
-      <p:bgPr>
-        <a:solidFill>
-          <a:srgbClr val="EB977C"/>
-        </a:solidFill>
-      </p:bgPr>
-    </p:bg>
-    <p:spTree>
-      <p:nvGrpSpPr>
-        <p:cNvPr id="156" name="Shape 156"/>
-        <p:cNvGrpSpPr/>
-        <p:nvPr/>
-      </p:nvGrpSpPr>
-      <p:grpSpPr>
-        <a:xfrm>
-          <a:off x="0" y="0"/>
-          <a:ext cx="0" cy="0"/>
-          <a:chOff x="0" y="0"/>
-          <a:chExt cx="0" cy="0"/>
-        </a:xfrm>
-      </p:grpSpPr>
-      <p:sp>
-        <p:nvSpPr>
-          <p:cNvPr id="157" name="Google Shape;157;ga561df5dd9_0_7"/>
-          <p:cNvSpPr txBox="1"/>
-          <p:nvPr>
-            <p:ph type="title"/>
-          </p:nvPr>
-        </p:nvSpPr>
-        <p:spPr>
-          <a:xfrm>
-            <a:off x="1600200" y="2386744"/>
-            <a:ext cx="8991600" cy="1645800"/>
-          </a:xfrm>
-          <a:prstGeom prst="rect">
-            <a:avLst/>
-          </a:prstGeom>
-          <a:solidFill>
-            <a:srgbClr val="FFFFFF"/>
-          </a:solidFill>
-          <a:ln cap="flat" cmpd="sng" w="38100">
-            <a:solidFill>
-              <a:srgbClr val="404040"/>
-            </a:solidFill>
-            <a:prstDash val="solid"/>
-            <a:round/>
-            <a:headEnd len="sm" w="sm" type="none"/>
-            <a:tailEnd len="sm" w="sm" type="none"/>
-          </a:ln>
-        </p:spPr>
-        <p:txBody>
-          <a:bodyPr anchorCtr="1" anchor="ctr" bIns="182875" lIns="274300" spcFirstLastPara="1" rIns="274300" wrap="square" tIns="182875">
-            <a:noAutofit/>
-          </a:bodyPr>
-          <a:lstStyle/>
-          <a:p>
-            <a:pPr indent="0" lvl="0" marL="0" rtl="0" algn="ctr">
-              <a:lnSpc>
-                <a:spcPct val="90000"/>
-              </a:lnSpc>
-              <a:spcBef>
-                <a:spcPts val="0"/>
-              </a:spcBef>
-              <a:spcAft>
-                <a:spcPts val="0"/>
-              </a:spcAft>
-              <a:buClr>
-                <a:srgbClr val="262626"/>
-              </a:buClr>
-              <a:buSzPts val="3800"/>
-              <a:buFont typeface="Gill Sans"/>
-              <a:buNone/>
-            </a:pPr>
-            <a:r>
-              <a:rPr lang="en-IN"/>
-              <a:t>MONGODB BASICS</a:t>
-            </a:r>
-            <a:endParaRPr/>
-          </a:p>
-        </p:txBody>
-      </p:sp>
-      <p:sp>
-        <p:nvSpPr>
-          <p:cNvPr id="158" name="Google Shape;158;ga561df5dd9_0_7"/>
-          <p:cNvSpPr txBox="1"/>
-          <p:nvPr>
-            <p:ph idx="11" type="ftr"/>
-          </p:nvPr>
-        </p:nvSpPr>
-        <p:spPr>
-          <a:xfrm>
-            <a:off x="1600200" y="6236208"/>
-            <a:ext cx="5901300" cy="320100"/>
-          </a:xfrm>
-          <a:prstGeom prst="rect">
-            <a:avLst/>
-          </a:prstGeom>
-          <a:noFill/>
-          <a:ln>
-            <a:noFill/>
-          </a:ln>
-        </p:spPr>
-        <p:txBody>
-          <a:bodyPr anchorCtr="0" anchor="ctr" bIns="45700" lIns="91425" spcFirstLastPara="1" rIns="91425" wrap="square" tIns="45700">
-            <a:noAutofit/>
-          </a:bodyPr>
-          <a:lstStyle/>
-          <a:p>
-            <a:pPr indent="0" lvl="0" marL="0" rtl="0" algn="l">
-              <a:lnSpc>
-                <a:spcPct val="100000"/>
-              </a:lnSpc>
-              <a:spcBef>
-                <a:spcPts val="0"/>
-              </a:spcBef>
-              <a:spcAft>
-                <a:spcPts val="0"/>
-              </a:spcAft>
-              <a:buSzPts val="1400"/>
-              <a:buNone/>
-            </a:pPr>
-            <a:r>
-              <a:rPr lang="en-IN"/>
-              <a:t>TechBairn &amp; opendevs</a:t>
-            </a:r>
-            <a:endParaRPr/>
-          </a:p>
-        </p:txBody>
-      </p:sp>
-    </p:spTree>
-  </p:cSld>
-  <p:clrMapOvr>
-    <a:masterClrMapping/>
-  </p:clrMapOvr>
-</p:sld>
-</file>
-
-<file path=ppt/slides/slide9.xml><?xml version="1.0" encoding="utf-8"?>
-<p:sld xmlns:a="http://schemas.openxmlformats.org/drawingml/2006/main" xmlns:r="http://schemas.openxmlformats.org/officeDocument/2006/relationships" xmlns:mc="http://schemas.openxmlformats.org/markup-compatibility/2006" xmlns:mv="urn:schemas-microsoft-com:mac:vml" xmlns:p="http://schemas.openxmlformats.org/presentationml/2006/main" xmlns:c="http://schemas.openxmlformats.org/drawingml/2006/chart" xmlns:dgm="http://schemas.openxmlformats.org/drawingml/2006/diagram" xmlns:o="urn:schemas-microsoft-com:office:office" xmlns:v="urn:schemas-microsoft-com:vml" xmlns:pvml="urn:schemas-microsoft-com:office:powerpoint" xmlns:com="http://schemas.openxmlformats.org/drawingml/2006/compatibility" xmlns:p14="http://schemas.microsoft.com/office/powerpoint/2010/main" xmlns:p15="http://schemas.microsoft.com/office/powerpoint/2012/main" xmlns:ahyp="http://schemas.microsoft.com/office/drawing/2018/hyperlinkcolor">
-  <p:cSld>
-    <p:spTree>
-      <p:nvGrpSpPr>
-        <p:cNvPr id="162" name="Shape 162"/>
-        <p:cNvGrpSpPr/>
-        <p:nvPr/>
-      </p:nvGrpSpPr>
-      <p:grpSpPr>
-        <a:xfrm>
-          <a:off x="0" y="0"/>
-          <a:ext cx="0" cy="0"/>
-          <a:chOff x="0" y="0"/>
-          <a:chExt cx="0" cy="0"/>
-        </a:xfrm>
-      </p:grpSpPr>
-      <p:sp>
-        <p:nvSpPr>
-          <p:cNvPr id="163" name="Google Shape;163;ga8aa0623b4_2_90"/>
+          <p:cNvPr id="149" name="Google Shape;149;ga8aa0623b4_2_90"/>
           <p:cNvSpPr txBox="1"/>
           <p:nvPr>
             <p:ph type="title"/>
@@ -24387,7 +23342,7 @@
       </p:sp>
       <p:sp>
         <p:nvSpPr>
-          <p:cNvPr id="164" name="Google Shape;164;ga8aa0623b4_2_90"/>
+          <p:cNvPr id="150" name="Google Shape;150;ga8aa0623b4_2_90"/>
           <p:cNvSpPr txBox="1"/>
           <p:nvPr>
             <p:ph idx="1" type="body"/>
@@ -24455,7 +23410,7 @@
       </p:sp>
       <p:sp>
         <p:nvSpPr>
-          <p:cNvPr id="165" name="Google Shape;165;ga8aa0623b4_2_90"/>
+          <p:cNvPr id="151" name="Google Shape;151;ga8aa0623b4_2_90"/>
           <p:cNvSpPr txBox="1"/>
           <p:nvPr>
             <p:ph idx="11" type="ftr"/>
@@ -24503,7 +23458,7 @@
       </p:sp>
       <p:pic>
         <p:nvPicPr>
-          <p:cNvPr id="166" name="Google Shape;166;ga8aa0623b4_2_90"/>
+          <p:cNvPr id="152" name="Google Shape;152;ga8aa0623b4_2_90"/>
           <p:cNvPicPr preferRelativeResize="0"/>
           <p:nvPr/>
         </p:nvPicPr>
@@ -24518,6 +23473,421 @@
           <a:xfrm>
             <a:off x="6244200" y="2816502"/>
             <a:ext cx="5643001" cy="2259600"/>
+          </a:xfrm>
+          <a:prstGeom prst="rect">
+            <a:avLst/>
+          </a:prstGeom>
+          <a:noFill/>
+          <a:ln>
+            <a:noFill/>
+          </a:ln>
+        </p:spPr>
+      </p:pic>
+    </p:spTree>
+  </p:cSld>
+  <p:clrMapOvr>
+    <a:masterClrMapping/>
+  </p:clrMapOvr>
+</p:sld>
+</file>
+
+<file path=ppt/slides/slide8.xml><?xml version="1.0" encoding="utf-8"?>
+<p:sld xmlns:a="http://schemas.openxmlformats.org/drawingml/2006/main" xmlns:r="http://schemas.openxmlformats.org/officeDocument/2006/relationships" xmlns:mc="http://schemas.openxmlformats.org/markup-compatibility/2006" xmlns:mv="urn:schemas-microsoft-com:mac:vml" xmlns:p="http://schemas.openxmlformats.org/presentationml/2006/main" xmlns:c="http://schemas.openxmlformats.org/drawingml/2006/chart" xmlns:dgm="http://schemas.openxmlformats.org/drawingml/2006/diagram" xmlns:o="urn:schemas-microsoft-com:office:office" xmlns:v="urn:schemas-microsoft-com:vml" xmlns:pvml="urn:schemas-microsoft-com:office:powerpoint" xmlns:com="http://schemas.openxmlformats.org/drawingml/2006/compatibility" xmlns:p14="http://schemas.microsoft.com/office/powerpoint/2010/main" xmlns:p15="http://schemas.microsoft.com/office/powerpoint/2012/main" xmlns:ahyp="http://schemas.microsoft.com/office/drawing/2018/hyperlinkcolor">
+  <p:cSld>
+    <p:spTree>
+      <p:nvGrpSpPr>
+        <p:cNvPr id="156" name="Shape 156"/>
+        <p:cNvGrpSpPr/>
+        <p:nvPr/>
+      </p:nvGrpSpPr>
+      <p:grpSpPr>
+        <a:xfrm>
+          <a:off x="0" y="0"/>
+          <a:ext cx="0" cy="0"/>
+          <a:chOff x="0" y="0"/>
+          <a:chExt cx="0" cy="0"/>
+        </a:xfrm>
+      </p:grpSpPr>
+      <p:sp>
+        <p:nvSpPr>
+          <p:cNvPr id="157" name="Google Shape;157;ga8aa0623b4_3_7"/>
+          <p:cNvSpPr txBox="1"/>
+          <p:nvPr>
+            <p:ph type="title"/>
+          </p:nvPr>
+        </p:nvSpPr>
+        <p:spPr>
+          <a:xfrm>
+            <a:off x="846351" y="699400"/>
+            <a:ext cx="4494900" cy="1134600"/>
+          </a:xfrm>
+          <a:prstGeom prst="rect">
+            <a:avLst/>
+          </a:prstGeom>
+          <a:solidFill>
+            <a:schemeClr val="lt1"/>
+          </a:solidFill>
+          <a:ln cap="sq" cmpd="sng" w="31750">
+            <a:solidFill>
+              <a:srgbClr val="3F3F3F"/>
+            </a:solidFill>
+            <a:prstDash val="solid"/>
+            <a:miter lim="800000"/>
+            <a:headEnd len="sm" w="sm" type="none"/>
+            <a:tailEnd len="sm" w="sm" type="none"/>
+          </a:ln>
+        </p:spPr>
+        <p:txBody>
+          <a:bodyPr anchorCtr="0" anchor="ctr" bIns="182875" lIns="182875" spcFirstLastPara="1" rIns="182875" wrap="square" tIns="182875">
+            <a:noAutofit/>
+          </a:bodyPr>
+          <a:lstStyle/>
+          <a:p>
+            <a:pPr indent="0" lvl="0" marL="0" rtl="0" algn="ctr">
+              <a:lnSpc>
+                <a:spcPct val="90000"/>
+              </a:lnSpc>
+              <a:spcBef>
+                <a:spcPts val="0"/>
+              </a:spcBef>
+              <a:spcAft>
+                <a:spcPts val="0"/>
+              </a:spcAft>
+              <a:buClr>
+                <a:schemeClr val="dk1"/>
+              </a:buClr>
+              <a:buSzPts val="1100"/>
+              <a:buFont typeface="Arial"/>
+              <a:buNone/>
+            </a:pPr>
+            <a:r>
+              <a:rPr lang="en-IN"/>
+              <a:t>JSON VS BSON</a:t>
+            </a:r>
+            <a:endParaRPr/>
+          </a:p>
+        </p:txBody>
+      </p:sp>
+      <p:sp>
+        <p:nvSpPr>
+          <p:cNvPr id="158" name="Google Shape;158;ga8aa0623b4_3_7"/>
+          <p:cNvSpPr txBox="1"/>
+          <p:nvPr>
+            <p:ph idx="1" type="body"/>
+          </p:nvPr>
+        </p:nvSpPr>
+        <p:spPr>
+          <a:xfrm>
+            <a:off x="436925" y="2327150"/>
+            <a:ext cx="5300400" cy="3739800"/>
+          </a:xfrm>
+          <a:prstGeom prst="rect">
+            <a:avLst/>
+          </a:prstGeom>
+          <a:noFill/>
+          <a:ln>
+            <a:noFill/>
+          </a:ln>
+        </p:spPr>
+        <p:txBody>
+          <a:bodyPr anchorCtr="0" anchor="t" bIns="45700" lIns="91425" spcFirstLastPara="1" rIns="91425" wrap="square" tIns="45700">
+            <a:noAutofit/>
+          </a:bodyPr>
+          <a:lstStyle/>
+          <a:p>
+            <a:pPr indent="0" lvl="0" marL="0" rtl="0" algn="l">
+              <a:lnSpc>
+                <a:spcPct val="100000"/>
+              </a:lnSpc>
+              <a:spcBef>
+                <a:spcPts val="1000"/>
+              </a:spcBef>
+              <a:spcAft>
+                <a:spcPts val="0"/>
+              </a:spcAft>
+              <a:buSzPts val="1100"/>
+              <a:buNone/>
+            </a:pPr>
+            <a:r>
+              <a:rPr lang="en-IN" sz="1800"/>
+              <a:t>* JSON a.k.a JavaScript Object Notation is an open standard file format, and data interchange format, that uses human-readable text to store and transmit data objects consisting of attribute–value pairs and array data types.</a:t>
+            </a:r>
+            <a:endParaRPr sz="1800"/>
+          </a:p>
+          <a:p>
+            <a:pPr indent="0" lvl="0" marL="0" rtl="0" algn="l">
+              <a:lnSpc>
+                <a:spcPct val="100000"/>
+              </a:lnSpc>
+              <a:spcBef>
+                <a:spcPts val="1000"/>
+              </a:spcBef>
+              <a:spcAft>
+                <a:spcPts val="0"/>
+              </a:spcAft>
+              <a:buSzPts val="1100"/>
+              <a:buNone/>
+            </a:pPr>
+            <a:r>
+              <a:rPr lang="en-IN" sz="1800"/>
+              <a:t>*  BSON is a computer data interchange format. The name "BSON" is based on the term JSON and stands for "Binary JSON". It is a binary form for representing simple or complex data structures including associative arrays, integer indexed arrays, and a suite of fundamental scalar types. BSON originated in 2009 at MongoDB.</a:t>
+            </a:r>
+            <a:endParaRPr sz="1800"/>
+          </a:p>
+        </p:txBody>
+      </p:sp>
+      <p:sp>
+        <p:nvSpPr>
+          <p:cNvPr id="159" name="Google Shape;159;ga8aa0623b4_3_7"/>
+          <p:cNvSpPr txBox="1"/>
+          <p:nvPr>
+            <p:ph idx="11" type="ftr"/>
+          </p:nvPr>
+        </p:nvSpPr>
+        <p:spPr>
+          <a:xfrm>
+            <a:off x="808523" y="6236208"/>
+            <a:ext cx="5103600" cy="320100"/>
+          </a:xfrm>
+          <a:prstGeom prst="rect">
+            <a:avLst/>
+          </a:prstGeom>
+          <a:noFill/>
+          <a:ln>
+            <a:noFill/>
+          </a:ln>
+        </p:spPr>
+        <p:txBody>
+          <a:bodyPr anchorCtr="0" anchor="ctr" bIns="45700" lIns="91425" spcFirstLastPara="1" rIns="91425" wrap="square" tIns="45700">
+            <a:noAutofit/>
+          </a:bodyPr>
+          <a:lstStyle/>
+          <a:p>
+            <a:pPr indent="0" lvl="0" marL="0" rtl="0" algn="l">
+              <a:lnSpc>
+                <a:spcPct val="100000"/>
+              </a:lnSpc>
+              <a:spcBef>
+                <a:spcPts val="0"/>
+              </a:spcBef>
+              <a:spcAft>
+                <a:spcPts val="0"/>
+              </a:spcAft>
+              <a:buSzPts val="1400"/>
+              <a:buNone/>
+            </a:pPr>
+            <a:r>
+              <a:rPr lang="en-IN"/>
+              <a:t>TechBairn &amp; opendevs</a:t>
+            </a:r>
+            <a:endParaRPr/>
+          </a:p>
+        </p:txBody>
+      </p:sp>
+      <p:pic>
+        <p:nvPicPr>
+          <p:cNvPr id="160" name="Google Shape;160;ga8aa0623b4_3_7"/>
+          <p:cNvPicPr preferRelativeResize="0"/>
+          <p:nvPr/>
+        </p:nvPicPr>
+        <p:blipFill rotWithShape="1">
+          <a:blip r:embed="rId3">
+            <a:alphaModFix/>
+          </a:blip>
+          <a:srcRect b="45286" l="52998" r="0" t="0"/>
+          <a:stretch/>
+        </p:blipFill>
+        <p:spPr>
+          <a:xfrm>
+            <a:off x="7630700" y="1115025"/>
+            <a:ext cx="3111024" cy="1639575"/>
+          </a:xfrm>
+          <a:prstGeom prst="rect">
+            <a:avLst/>
+          </a:prstGeom>
+          <a:noFill/>
+          <a:ln>
+            <a:noFill/>
+          </a:ln>
+        </p:spPr>
+      </p:pic>
+      <p:pic>
+        <p:nvPicPr>
+          <p:cNvPr id="161" name="Google Shape;161;ga8aa0623b4_3_7"/>
+          <p:cNvPicPr preferRelativeResize="0"/>
+          <p:nvPr/>
+        </p:nvPicPr>
+        <p:blipFill rotWithShape="1">
+          <a:blip r:embed="rId4">
+            <a:alphaModFix/>
+          </a:blip>
+          <a:srcRect b="0" l="45166" r="0" t="0"/>
+          <a:stretch/>
+        </p:blipFill>
+        <p:spPr>
+          <a:xfrm>
+            <a:off x="7630700" y="3572875"/>
+            <a:ext cx="3111026" cy="2876675"/>
+          </a:xfrm>
+          <a:prstGeom prst="rect">
+            <a:avLst/>
+          </a:prstGeom>
+          <a:noFill/>
+          <a:ln>
+            <a:noFill/>
+          </a:ln>
+        </p:spPr>
+      </p:pic>
+    </p:spTree>
+  </p:cSld>
+  <p:clrMapOvr>
+    <a:masterClrMapping/>
+  </p:clrMapOvr>
+</p:sld>
+</file>
+
+<file path=ppt/slides/slide9.xml><?xml version="1.0" encoding="utf-8"?>
+<p:sld xmlns:a="http://schemas.openxmlformats.org/drawingml/2006/main" xmlns:r="http://schemas.openxmlformats.org/officeDocument/2006/relationships" xmlns:mc="http://schemas.openxmlformats.org/markup-compatibility/2006" xmlns:mv="urn:schemas-microsoft-com:mac:vml" xmlns:p="http://schemas.openxmlformats.org/presentationml/2006/main" xmlns:c="http://schemas.openxmlformats.org/drawingml/2006/chart" xmlns:dgm="http://schemas.openxmlformats.org/drawingml/2006/diagram" xmlns:o="urn:schemas-microsoft-com:office:office" xmlns:v="urn:schemas-microsoft-com:vml" xmlns:pvml="urn:schemas-microsoft-com:office:powerpoint" xmlns:com="http://schemas.openxmlformats.org/drawingml/2006/compatibility" xmlns:p14="http://schemas.microsoft.com/office/powerpoint/2010/main" xmlns:p15="http://schemas.microsoft.com/office/powerpoint/2012/main" xmlns:ahyp="http://schemas.microsoft.com/office/drawing/2018/hyperlinkcolor">
+  <p:cSld>
+    <p:spTree>
+      <p:nvGrpSpPr>
+        <p:cNvPr id="165" name="Shape 165"/>
+        <p:cNvGrpSpPr/>
+        <p:nvPr/>
+      </p:nvGrpSpPr>
+      <p:grpSpPr>
+        <a:xfrm>
+          <a:off x="0" y="0"/>
+          <a:ext cx="0" cy="0"/>
+          <a:chOff x="0" y="0"/>
+          <a:chExt cx="0" cy="0"/>
+        </a:xfrm>
+      </p:grpSpPr>
+      <p:sp>
+        <p:nvSpPr>
+          <p:cNvPr id="166" name="Google Shape;166;ga8aa0623b4_2_25"/>
+          <p:cNvSpPr txBox="1"/>
+          <p:nvPr>
+            <p:ph type="title"/>
+          </p:nvPr>
+        </p:nvSpPr>
+        <p:spPr>
+          <a:xfrm>
+            <a:off x="2231111" y="698717"/>
+            <a:ext cx="7729800" cy="1188600"/>
+          </a:xfrm>
+          <a:prstGeom prst="rect">
+            <a:avLst/>
+          </a:prstGeom>
+          <a:solidFill>
+            <a:schemeClr val="lt1"/>
+          </a:solidFill>
+          <a:ln cap="sq" cmpd="sng" w="31750">
+            <a:solidFill>
+              <a:srgbClr val="3F3F3F"/>
+            </a:solidFill>
+            <a:prstDash val="solid"/>
+            <a:miter lim="800000"/>
+            <a:headEnd len="sm" w="sm" type="none"/>
+            <a:tailEnd len="sm" w="sm" type="none"/>
+          </a:ln>
+        </p:spPr>
+        <p:txBody>
+          <a:bodyPr anchorCtr="0" anchor="ctr" bIns="182875" lIns="182875" spcFirstLastPara="1" rIns="182875" wrap="square" tIns="182875">
+            <a:noAutofit/>
+          </a:bodyPr>
+          <a:lstStyle/>
+          <a:p>
+            <a:pPr indent="0" lvl="0" marL="0" rtl="0" algn="ctr">
+              <a:lnSpc>
+                <a:spcPct val="90000"/>
+              </a:lnSpc>
+              <a:spcBef>
+                <a:spcPts val="0"/>
+              </a:spcBef>
+              <a:spcAft>
+                <a:spcPts val="0"/>
+              </a:spcAft>
+              <a:buClr>
+                <a:srgbClr val="262626"/>
+              </a:buClr>
+              <a:buSzPts val="2800"/>
+              <a:buFont typeface="Gill Sans"/>
+              <a:buNone/>
+            </a:pPr>
+            <a:r>
+              <a:rPr lang="en-IN"/>
+              <a:t>CONVERSION</a:t>
+            </a:r>
+            <a:endParaRPr/>
+          </a:p>
+        </p:txBody>
+      </p:sp>
+      <p:sp>
+        <p:nvSpPr>
+          <p:cNvPr id="167" name="Google Shape;167;ga8aa0623b4_2_25"/>
+          <p:cNvSpPr txBox="1"/>
+          <p:nvPr>
+            <p:ph idx="11" type="ftr"/>
+          </p:nvPr>
+        </p:nvSpPr>
+        <p:spPr>
+          <a:xfrm>
+            <a:off x="1600200" y="6236208"/>
+            <a:ext cx="5901300" cy="320100"/>
+          </a:xfrm>
+          <a:prstGeom prst="rect">
+            <a:avLst/>
+          </a:prstGeom>
+          <a:noFill/>
+          <a:ln>
+            <a:noFill/>
+          </a:ln>
+        </p:spPr>
+        <p:txBody>
+          <a:bodyPr anchorCtr="0" anchor="ctr" bIns="45700" lIns="91425" spcFirstLastPara="1" rIns="91425" wrap="square" tIns="45700">
+            <a:noAutofit/>
+          </a:bodyPr>
+          <a:lstStyle/>
+          <a:p>
+            <a:pPr indent="0" lvl="0" marL="0" rtl="0" algn="l">
+              <a:lnSpc>
+                <a:spcPct val="100000"/>
+              </a:lnSpc>
+              <a:spcBef>
+                <a:spcPts val="0"/>
+              </a:spcBef>
+              <a:spcAft>
+                <a:spcPts val="0"/>
+              </a:spcAft>
+              <a:buSzPts val="1400"/>
+              <a:buNone/>
+            </a:pPr>
+            <a:r>
+              <a:rPr lang="en-IN"/>
+              <a:t>TechBairn &amp; opendevs</a:t>
+            </a:r>
+            <a:endParaRPr/>
+          </a:p>
+        </p:txBody>
+      </p:sp>
+      <p:pic>
+        <p:nvPicPr>
+          <p:cNvPr id="168" name="Google Shape;168;ga8aa0623b4_2_25"/>
+          <p:cNvPicPr preferRelativeResize="0"/>
+          <p:nvPr/>
+        </p:nvPicPr>
+        <p:blipFill rotWithShape="1">
+          <a:blip r:embed="rId3">
+            <a:alphaModFix amt="90000"/>
+          </a:blip>
+          <a:srcRect b="0" l="0" r="0" t="0"/>
+          <a:stretch/>
+        </p:blipFill>
+        <p:spPr>
+          <a:xfrm>
+            <a:off x="2481238" y="2078125"/>
+            <a:ext cx="7229524" cy="3808750"/>
           </a:xfrm>
           <a:prstGeom prst="rect">
             <a:avLst/>
@@ -24816,6 +24186,285 @@
 </file>
 
 <file path=ppt/theme/theme2.xml><?xml version="1.0" encoding="utf-8"?>
+<a:theme xmlns:a="http://schemas.openxmlformats.org/drawingml/2006/main" xmlns:r="http://schemas.openxmlformats.org/officeDocument/2006/relationships" name="Parcel">
+  <a:themeElements>
+    <a:clrScheme name="Parcel">
+      <a:dk1>
+        <a:srgbClr val="000000"/>
+      </a:dk1>
+      <a:lt1>
+        <a:srgbClr val="FFFFFF"/>
+      </a:lt1>
+      <a:dk2>
+        <a:srgbClr val="5E5E5E"/>
+      </a:dk2>
+      <a:lt2>
+        <a:srgbClr val="DDDDDD"/>
+      </a:lt2>
+      <a:accent1>
+        <a:srgbClr val="A6B727"/>
+      </a:accent1>
+      <a:accent2>
+        <a:srgbClr val="418AB3"/>
+      </a:accent2>
+      <a:accent3>
+        <a:srgbClr val="F69200"/>
+      </a:accent3>
+      <a:accent4>
+        <a:srgbClr val="838383"/>
+      </a:accent4>
+      <a:accent5>
+        <a:srgbClr val="FEC306"/>
+      </a:accent5>
+      <a:accent6>
+        <a:srgbClr val="DF5327"/>
+      </a:accent6>
+      <a:hlink>
+        <a:srgbClr val="F59E00"/>
+      </a:hlink>
+      <a:folHlink>
+        <a:srgbClr val="B2B2B2"/>
+      </a:folHlink>
+    </a:clrScheme>
+    <a:fontScheme name="Office">
+      <a:majorFont>
+        <a:latin typeface="Arial"/>
+        <a:ea typeface=""/>
+        <a:cs typeface=""/>
+        <a:font script="Jpan" typeface="ＭＳ Ｐゴシック"/>
+        <a:font script="Hang" typeface="맑은 고딕"/>
+        <a:font script="Hans" typeface="宋体"/>
+        <a:font script="Hant" typeface="新細明體"/>
+        <a:font script="Arab" typeface="Times New Roman"/>
+        <a:font script="Hebr" typeface="Times New Roman"/>
+        <a:font script="Thai" typeface="Angsana New"/>
+        <a:font script="Ethi" typeface="Nyala"/>
+        <a:font script="Beng" typeface="Vrinda"/>
+        <a:font script="Gujr" typeface="Shruti"/>
+        <a:font script="Khmr" typeface="MoolBoran"/>
+        <a:font script="Knda" typeface="Tunga"/>
+        <a:font script="Guru" typeface="Raavi"/>
+        <a:font script="Cans" typeface="Euphemia"/>
+        <a:font script="Cher" typeface="Plantagenet Cherokee"/>
+        <a:font script="Yiii" typeface="Microsoft Yi Baiti"/>
+        <a:font script="Tibt" typeface="Microsoft Himalaya"/>
+        <a:font script="Thaa" typeface="MV Boli"/>
+        <a:font script="Deva" typeface="Mangal"/>
+        <a:font script="Telu" typeface="Gautami"/>
+        <a:font script="Taml" typeface="Latha"/>
+        <a:font script="Syrc" typeface="Estrangelo Edessa"/>
+        <a:font script="Orya" typeface="Kalinga"/>
+        <a:font script="Mlym" typeface="Kartika"/>
+        <a:font script="Laoo" typeface="DokChampa"/>
+        <a:font script="Sinh" typeface="Iskoola Pota"/>
+        <a:font script="Mong" typeface="Mongolian Baiti"/>
+        <a:font script="Viet" typeface="Times New Roman"/>
+        <a:font script="Uigh" typeface="Microsoft Uighur"/>
+        <a:font script="Geor" typeface="Sylfaen"/>
+      </a:majorFont>
+      <a:minorFont>
+        <a:latin typeface="Arial"/>
+        <a:ea typeface=""/>
+        <a:cs typeface=""/>
+        <a:font script="Jpan" typeface="ＭＳ Ｐゴシック"/>
+        <a:font script="Hang" typeface="맑은 고딕"/>
+        <a:font script="Hans" typeface="宋体"/>
+        <a:font script="Hant" typeface="新細明體"/>
+        <a:font script="Arab" typeface="Arial"/>
+        <a:font script="Hebr" typeface="Arial"/>
+        <a:font script="Thai" typeface="Cordia New"/>
+        <a:font script="Ethi" typeface="Nyala"/>
+        <a:font script="Beng" typeface="Vrinda"/>
+        <a:font script="Gujr" typeface="Shruti"/>
+        <a:font script="Khmr" typeface="DaunPenh"/>
+        <a:font script="Knda" typeface="Tunga"/>
+        <a:font script="Guru" typeface="Raavi"/>
+        <a:font script="Cans" typeface="Euphemia"/>
+        <a:font script="Cher" typeface="Plantagenet Cherokee"/>
+        <a:font script="Yiii" typeface="Microsoft Yi Baiti"/>
+        <a:font script="Tibt" typeface="Microsoft Himalaya"/>
+        <a:font script="Thaa" typeface="MV Boli"/>
+        <a:font script="Deva" typeface="Mangal"/>
+        <a:font script="Telu" typeface="Gautami"/>
+        <a:font script="Taml" typeface="Latha"/>
+        <a:font script="Syrc" typeface="Estrangelo Edessa"/>
+        <a:font script="Orya" typeface="Kalinga"/>
+        <a:font script="Mlym" typeface="Kartika"/>
+        <a:font script="Laoo" typeface="DokChampa"/>
+        <a:font script="Sinh" typeface="Iskoola Pota"/>
+        <a:font script="Mong" typeface="Mongolian Baiti"/>
+        <a:font script="Viet" typeface="Arial"/>
+        <a:font script="Uigh" typeface="Microsoft Uighur"/>
+        <a:font script="Geor" typeface="Sylfaen"/>
+      </a:minorFont>
+    </a:fontScheme>
+    <a:fmtScheme name="Office">
+      <a:fillStyleLst>
+        <a:solidFill>
+          <a:schemeClr val="phClr"/>
+        </a:solidFill>
+        <a:gradFill rotWithShape="1">
+          <a:gsLst>
+            <a:gs pos="0">
+              <a:schemeClr val="phClr">
+                <a:tint val="50000"/>
+                <a:satMod val="300000"/>
+              </a:schemeClr>
+            </a:gs>
+            <a:gs pos="35000">
+              <a:schemeClr val="phClr">
+                <a:tint val="37000"/>
+                <a:satMod val="300000"/>
+              </a:schemeClr>
+            </a:gs>
+            <a:gs pos="100000">
+              <a:schemeClr val="phClr">
+                <a:tint val="15000"/>
+                <a:satMod val="350000"/>
+              </a:schemeClr>
+            </a:gs>
+          </a:gsLst>
+          <a:lin ang="16200000" scaled="1"/>
+        </a:gradFill>
+        <a:gradFill rotWithShape="1">
+          <a:gsLst>
+            <a:gs pos="0">
+              <a:schemeClr val="phClr">
+                <a:tint val="100000"/>
+                <a:shade val="100000"/>
+                <a:satMod val="130000"/>
+              </a:schemeClr>
+            </a:gs>
+            <a:gs pos="100000">
+              <a:schemeClr val="phClr">
+                <a:tint val="50000"/>
+                <a:shade val="100000"/>
+                <a:satMod val="350000"/>
+              </a:schemeClr>
+            </a:gs>
+          </a:gsLst>
+          <a:lin ang="16200000" scaled="0"/>
+        </a:gradFill>
+      </a:fillStyleLst>
+      <a:lnStyleLst>
+        <a:ln w="9525" cap="flat" cmpd="sng" algn="ctr">
+          <a:solidFill>
+            <a:schemeClr val="phClr">
+              <a:shade val="95000"/>
+              <a:satMod val="105000"/>
+            </a:schemeClr>
+          </a:solidFill>
+          <a:prstDash val="solid"/>
+        </a:ln>
+        <a:ln w="25400" cap="flat" cmpd="sng" algn="ctr">
+          <a:solidFill>
+            <a:schemeClr val="phClr"/>
+          </a:solidFill>
+          <a:prstDash val="solid"/>
+        </a:ln>
+        <a:ln w="38100" cap="flat" cmpd="sng" algn="ctr">
+          <a:solidFill>
+            <a:schemeClr val="phClr"/>
+          </a:solidFill>
+          <a:prstDash val="solid"/>
+        </a:ln>
+      </a:lnStyleLst>
+      <a:effectStyleLst>
+        <a:effectStyle>
+          <a:effectLst>
+            <a:outerShdw blurRad="40000" dist="20000" dir="5400000" rotWithShape="0">
+              <a:srgbClr val="000000">
+                <a:alpha val="38000"/>
+              </a:srgbClr>
+            </a:outerShdw>
+          </a:effectLst>
+        </a:effectStyle>
+        <a:effectStyle>
+          <a:effectLst>
+            <a:outerShdw blurRad="40000" dist="23000" dir="5400000" rotWithShape="0">
+              <a:srgbClr val="000000">
+                <a:alpha val="35000"/>
+              </a:srgbClr>
+            </a:outerShdw>
+          </a:effectLst>
+        </a:effectStyle>
+        <a:effectStyle>
+          <a:effectLst>
+            <a:outerShdw blurRad="40000" dist="23000" dir="5400000" rotWithShape="0">
+              <a:srgbClr val="000000">
+                <a:alpha val="35000"/>
+              </a:srgbClr>
+            </a:outerShdw>
+          </a:effectLst>
+          <a:scene3d>
+            <a:camera prst="orthographicFront">
+              <a:rot lat="0" lon="0" rev="0"/>
+            </a:camera>
+            <a:lightRig rig="threePt" dir="t">
+              <a:rot lat="0" lon="0" rev="1200000"/>
+            </a:lightRig>
+          </a:scene3d>
+          <a:sp3d>
+            <a:bevelT w="63500" h="25400"/>
+          </a:sp3d>
+        </a:effectStyle>
+      </a:effectStyleLst>
+      <a:bgFillStyleLst>
+        <a:solidFill>
+          <a:schemeClr val="phClr"/>
+        </a:solidFill>
+        <a:gradFill rotWithShape="1">
+          <a:gsLst>
+            <a:gs pos="0">
+              <a:schemeClr val="phClr">
+                <a:tint val="40000"/>
+                <a:satMod val="350000"/>
+              </a:schemeClr>
+            </a:gs>
+            <a:gs pos="40000">
+              <a:schemeClr val="phClr">
+                <a:tint val="45000"/>
+                <a:shade val="99000"/>
+                <a:satMod val="350000"/>
+              </a:schemeClr>
+            </a:gs>
+            <a:gs pos="100000">
+              <a:schemeClr val="phClr">
+                <a:shade val="20000"/>
+                <a:satMod val="255000"/>
+              </a:schemeClr>
+            </a:gs>
+          </a:gsLst>
+          <a:path path="circle">
+            <a:fillToRect l="50000" t="-80000" r="50000" b="180000"/>
+          </a:path>
+        </a:gradFill>
+        <a:gradFill rotWithShape="1">
+          <a:gsLst>
+            <a:gs pos="0">
+              <a:schemeClr val="phClr">
+                <a:tint val="80000"/>
+                <a:satMod val="300000"/>
+              </a:schemeClr>
+            </a:gs>
+            <a:gs pos="100000">
+              <a:schemeClr val="phClr">
+                <a:shade val="30000"/>
+                <a:satMod val="200000"/>
+              </a:schemeClr>
+            </a:gs>
+          </a:gsLst>
+          <a:path path="circle">
+            <a:fillToRect l="50000" t="50000" r="50000" b="50000"/>
+          </a:path>
+        </a:gradFill>
+      </a:bgFillStyleLst>
+    </a:fmtScheme>
+  </a:themeElements>
+</a:theme>
+</file>
+
+<file path=ppt/theme/theme3.xml><?xml version="1.0" encoding="utf-8"?>
 <a:theme xmlns:a="http://schemas.openxmlformats.org/drawingml/2006/main" xmlns:r="http://schemas.openxmlformats.org/officeDocument/2006/relationships" name="Office Theme">
   <a:themeElements>
     <a:clrScheme name="Office">
@@ -25092,283 +24741,4 @@
     </a:fmtScheme>
   </a:themeElements>
 </a:theme>
-</file>
-
-<file path=ppt/theme/theme3.xml><?xml version="1.0" encoding="utf-8"?>
-<a:theme xmlns:a="http://schemas.openxmlformats.org/drawingml/2006/main" xmlns:r="http://schemas.openxmlformats.org/officeDocument/2006/relationships" name="Parcel">
-  <a:themeElements>
-    <a:clrScheme name="Parcel">
-      <a:dk1>
-        <a:srgbClr val="000000"/>
-      </a:dk1>
-      <a:lt1>
-        <a:srgbClr val="FFFFFF"/>
-      </a:lt1>
-      <a:dk2>
-        <a:srgbClr val="5E5E5E"/>
-      </a:dk2>
-      <a:lt2>
-        <a:srgbClr val="DDDDDD"/>
-      </a:lt2>
-      <a:accent1>
-        <a:srgbClr val="A6B727"/>
-      </a:accent1>
-      <a:accent2>
-        <a:srgbClr val="418AB3"/>
-      </a:accent2>
-      <a:accent3>
-        <a:srgbClr val="F69200"/>
-      </a:accent3>
-      <a:accent4>
-        <a:srgbClr val="838383"/>
-      </a:accent4>
-      <a:accent5>
-        <a:srgbClr val="FEC306"/>
-      </a:accent5>
-      <a:accent6>
-        <a:srgbClr val="DF5327"/>
-      </a:accent6>
-      <a:hlink>
-        <a:srgbClr val="F59E00"/>
-      </a:hlink>
-      <a:folHlink>
-        <a:srgbClr val="B2B2B2"/>
-      </a:folHlink>
-    </a:clrScheme>
-    <a:fontScheme name="Office">
-      <a:majorFont>
-        <a:latin typeface="Arial"/>
-        <a:ea typeface=""/>
-        <a:cs typeface=""/>
-        <a:font script="Jpan" typeface="ＭＳ Ｐゴシック"/>
-        <a:font script="Hang" typeface="맑은 고딕"/>
-        <a:font script="Hans" typeface="宋体"/>
-        <a:font script="Hant" typeface="新細明體"/>
-        <a:font script="Arab" typeface="Times New Roman"/>
-        <a:font script="Hebr" typeface="Times New Roman"/>
-        <a:font script="Thai" typeface="Angsana New"/>
-        <a:font script="Ethi" typeface="Nyala"/>
-        <a:font script="Beng" typeface="Vrinda"/>
-        <a:font script="Gujr" typeface="Shruti"/>
-        <a:font script="Khmr" typeface="MoolBoran"/>
-        <a:font script="Knda" typeface="Tunga"/>
-        <a:font script="Guru" typeface="Raavi"/>
-        <a:font script="Cans" typeface="Euphemia"/>
-        <a:font script="Cher" typeface="Plantagenet Cherokee"/>
-        <a:font script="Yiii" typeface="Microsoft Yi Baiti"/>
-        <a:font script="Tibt" typeface="Microsoft Himalaya"/>
-        <a:font script="Thaa" typeface="MV Boli"/>
-        <a:font script="Deva" typeface="Mangal"/>
-        <a:font script="Telu" typeface="Gautami"/>
-        <a:font script="Taml" typeface="Latha"/>
-        <a:font script="Syrc" typeface="Estrangelo Edessa"/>
-        <a:font script="Orya" typeface="Kalinga"/>
-        <a:font script="Mlym" typeface="Kartika"/>
-        <a:font script="Laoo" typeface="DokChampa"/>
-        <a:font script="Sinh" typeface="Iskoola Pota"/>
-        <a:font script="Mong" typeface="Mongolian Baiti"/>
-        <a:font script="Viet" typeface="Times New Roman"/>
-        <a:font script="Uigh" typeface="Microsoft Uighur"/>
-        <a:font script="Geor" typeface="Sylfaen"/>
-      </a:majorFont>
-      <a:minorFont>
-        <a:latin typeface="Arial"/>
-        <a:ea typeface=""/>
-        <a:cs typeface=""/>
-        <a:font script="Jpan" typeface="ＭＳ Ｐゴシック"/>
-        <a:font script="Hang" typeface="맑은 고딕"/>
-        <a:font script="Hans" typeface="宋体"/>
-        <a:font script="Hant" typeface="新細明體"/>
-        <a:font script="Arab" typeface="Arial"/>
-        <a:font script="Hebr" typeface="Arial"/>
-        <a:font script="Thai" typeface="Cordia New"/>
-        <a:font script="Ethi" typeface="Nyala"/>
-        <a:font script="Beng" typeface="Vrinda"/>
-        <a:font script="Gujr" typeface="Shruti"/>
-        <a:font script="Khmr" typeface="DaunPenh"/>
-        <a:font script="Knda" typeface="Tunga"/>
-        <a:font script="Guru" typeface="Raavi"/>
-        <a:font script="Cans" typeface="Euphemia"/>
-        <a:font script="Cher" typeface="Plantagenet Cherokee"/>
-        <a:font script="Yiii" typeface="Microsoft Yi Baiti"/>
-        <a:font script="Tibt" typeface="Microsoft Himalaya"/>
-        <a:font script="Thaa" typeface="MV Boli"/>
-        <a:font script="Deva" typeface="Mangal"/>
-        <a:font script="Telu" typeface="Gautami"/>
-        <a:font script="Taml" typeface="Latha"/>
-        <a:font script="Syrc" typeface="Estrangelo Edessa"/>
-        <a:font script="Orya" typeface="Kalinga"/>
-        <a:font script="Mlym" typeface="Kartika"/>
-        <a:font script="Laoo" typeface="DokChampa"/>
-        <a:font script="Sinh" typeface="Iskoola Pota"/>
-        <a:font script="Mong" typeface="Mongolian Baiti"/>
-        <a:font script="Viet" typeface="Arial"/>
-        <a:font script="Uigh" typeface="Microsoft Uighur"/>
-        <a:font script="Geor" typeface="Sylfaen"/>
-      </a:minorFont>
-    </a:fontScheme>
-    <a:fmtScheme name="Office">
-      <a:fillStyleLst>
-        <a:solidFill>
-          <a:schemeClr val="phClr"/>
-        </a:solidFill>
-        <a:gradFill rotWithShape="1">
-          <a:gsLst>
-            <a:gs pos="0">
-              <a:schemeClr val="phClr">
-                <a:tint val="50000"/>
-                <a:satMod val="300000"/>
-              </a:schemeClr>
-            </a:gs>
-            <a:gs pos="35000">
-              <a:schemeClr val="phClr">
-                <a:tint val="37000"/>
-                <a:satMod val="300000"/>
-              </a:schemeClr>
-            </a:gs>
-            <a:gs pos="100000">
-              <a:schemeClr val="phClr">
-                <a:tint val="15000"/>
-                <a:satMod val="350000"/>
-              </a:schemeClr>
-            </a:gs>
-          </a:gsLst>
-          <a:lin ang="16200000" scaled="1"/>
-        </a:gradFill>
-        <a:gradFill rotWithShape="1">
-          <a:gsLst>
-            <a:gs pos="0">
-              <a:schemeClr val="phClr">
-                <a:tint val="100000"/>
-                <a:shade val="100000"/>
-                <a:satMod val="130000"/>
-              </a:schemeClr>
-            </a:gs>
-            <a:gs pos="100000">
-              <a:schemeClr val="phClr">
-                <a:tint val="50000"/>
-                <a:shade val="100000"/>
-                <a:satMod val="350000"/>
-              </a:schemeClr>
-            </a:gs>
-          </a:gsLst>
-          <a:lin ang="16200000" scaled="0"/>
-        </a:gradFill>
-      </a:fillStyleLst>
-      <a:lnStyleLst>
-        <a:ln w="9525" cap="flat" cmpd="sng" algn="ctr">
-          <a:solidFill>
-            <a:schemeClr val="phClr">
-              <a:shade val="95000"/>
-              <a:satMod val="105000"/>
-            </a:schemeClr>
-          </a:solidFill>
-          <a:prstDash val="solid"/>
-        </a:ln>
-        <a:ln w="25400" cap="flat" cmpd="sng" algn="ctr">
-          <a:solidFill>
-            <a:schemeClr val="phClr"/>
-          </a:solidFill>
-          <a:prstDash val="solid"/>
-        </a:ln>
-        <a:ln w="38100" cap="flat" cmpd="sng" algn="ctr">
-          <a:solidFill>
-            <a:schemeClr val="phClr"/>
-          </a:solidFill>
-          <a:prstDash val="solid"/>
-        </a:ln>
-      </a:lnStyleLst>
-      <a:effectStyleLst>
-        <a:effectStyle>
-          <a:effectLst>
-            <a:outerShdw blurRad="40000" dist="20000" dir="5400000" rotWithShape="0">
-              <a:srgbClr val="000000">
-                <a:alpha val="38000"/>
-              </a:srgbClr>
-            </a:outerShdw>
-          </a:effectLst>
-        </a:effectStyle>
-        <a:effectStyle>
-          <a:effectLst>
-            <a:outerShdw blurRad="40000" dist="23000" dir="5400000" rotWithShape="0">
-              <a:srgbClr val="000000">
-                <a:alpha val="35000"/>
-              </a:srgbClr>
-            </a:outerShdw>
-          </a:effectLst>
-        </a:effectStyle>
-        <a:effectStyle>
-          <a:effectLst>
-            <a:outerShdw blurRad="40000" dist="23000" dir="5400000" rotWithShape="0">
-              <a:srgbClr val="000000">
-                <a:alpha val="35000"/>
-              </a:srgbClr>
-            </a:outerShdw>
-          </a:effectLst>
-          <a:scene3d>
-            <a:camera prst="orthographicFront">
-              <a:rot lat="0" lon="0" rev="0"/>
-            </a:camera>
-            <a:lightRig rig="threePt" dir="t">
-              <a:rot lat="0" lon="0" rev="1200000"/>
-            </a:lightRig>
-          </a:scene3d>
-          <a:sp3d>
-            <a:bevelT w="63500" h="25400"/>
-          </a:sp3d>
-        </a:effectStyle>
-      </a:effectStyleLst>
-      <a:bgFillStyleLst>
-        <a:solidFill>
-          <a:schemeClr val="phClr"/>
-        </a:solidFill>
-        <a:gradFill rotWithShape="1">
-          <a:gsLst>
-            <a:gs pos="0">
-              <a:schemeClr val="phClr">
-                <a:tint val="40000"/>
-                <a:satMod val="350000"/>
-              </a:schemeClr>
-            </a:gs>
-            <a:gs pos="40000">
-              <a:schemeClr val="phClr">
-                <a:tint val="45000"/>
-                <a:shade val="99000"/>
-                <a:satMod val="350000"/>
-              </a:schemeClr>
-            </a:gs>
-            <a:gs pos="100000">
-              <a:schemeClr val="phClr">
-                <a:shade val="20000"/>
-                <a:satMod val="255000"/>
-              </a:schemeClr>
-            </a:gs>
-          </a:gsLst>
-          <a:path path="circle">
-            <a:fillToRect l="50000" t="-80000" r="50000" b="180000"/>
-          </a:path>
-        </a:gradFill>
-        <a:gradFill rotWithShape="1">
-          <a:gsLst>
-            <a:gs pos="0">
-              <a:schemeClr val="phClr">
-                <a:tint val="80000"/>
-                <a:satMod val="300000"/>
-              </a:schemeClr>
-            </a:gs>
-            <a:gs pos="100000">
-              <a:schemeClr val="phClr">
-                <a:shade val="30000"/>
-                <a:satMod val="200000"/>
-              </a:schemeClr>
-            </a:gs>
-          </a:gsLst>
-          <a:path path="circle">
-            <a:fillToRect l="50000" t="50000" r="50000" b="50000"/>
-          </a:path>
-        </a:gradFill>
-      </a:bgFillStyleLst>
-    </a:fmtScheme>
-  </a:themeElements>
-</a:theme>
 </file>
--- a/Course Day 10/Webmonk Course (day - 10).pptx
+++ b/Course Day 10/Webmonk Course (day - 10).pptx
@@ -22,15 +22,14 @@
     <p:sldId id="266" r:id="rId16"/>
     <p:sldId id="267" r:id="rId17"/>
     <p:sldId id="268" r:id="rId18"/>
-    <p:sldId id="269" r:id="rId19"/>
   </p:sldIdLst>
   <p:sldSz cy="6858000" cx="12192000"/>
   <p:notesSz cx="6858000" cy="9144000"/>
   <p:embeddedFontLst>
     <p:embeddedFont>
       <p:font typeface="Gill Sans"/>
-      <p:regular r:id="rId20"/>
-      <p:bold r:id="rId21"/>
+      <p:regular r:id="rId19"/>
+      <p:bold r:id="rId20"/>
     </p:embeddedFont>
   </p:embeddedFontLst>
   <p:defaultTextStyle>
@@ -264,7 +263,7 @@
   </p:defaultTextStyle>
   <p:extLst>
     <p:ext uri="http://customooxmlschemas.google.com/">
-      <go:slidesCustomData xmlns:go="http://customooxmlschemas.google.com/" r:id="rId22" roundtripDataSignature="AMtx7mg29jBAGEXpCXMeCM6M657hxkzw6A=="/>
+      <go:slidesCustomData xmlns:go="http://customooxmlschemas.google.com/" r:id="rId21" roundtripDataSignature="AMtx7mimBkswDgFCdxnqqz8WMuGrftJ8qg=="/>
     </p:ext>
   </p:extLst>
 </p:presentation>
@@ -2317,171 +2316,6 @@
               </a:buClr>
               <a:buSzPts val="1200"/>
               <a:buFont typeface="Arial"/>
-              <a:buNone/>
-            </a:pPr>
-            <a:fld id="{00000000-1234-1234-1234-123412341234}" type="slidenum">
-              <a:rPr lang="en-IN"/>
-              <a:t>‹#›</a:t>
-            </a:fld>
-            <a:endParaRPr/>
-          </a:p>
-        </p:txBody>
-      </p:sp>
-    </p:spTree>
-  </p:cSld>
-  <p:clrMapOvr>
-    <a:masterClrMapping/>
-  </p:clrMapOvr>
-</p:notes>
-</file>
-
-<file path=ppt/notesSlides/notesSlide14.xml><?xml version="1.0" encoding="utf-8"?>
-<p:notes xmlns:a="http://schemas.openxmlformats.org/drawingml/2006/main" xmlns:r="http://schemas.openxmlformats.org/officeDocument/2006/relationships" xmlns:mc="http://schemas.openxmlformats.org/markup-compatibility/2006" xmlns:mv="urn:schemas-microsoft-com:mac:vml" xmlns:p="http://schemas.openxmlformats.org/presentationml/2006/main" xmlns:c="http://schemas.openxmlformats.org/drawingml/2006/chart" xmlns:dgm="http://schemas.openxmlformats.org/drawingml/2006/diagram" xmlns:o="urn:schemas-microsoft-com:office:office" xmlns:v="urn:schemas-microsoft-com:vml" xmlns:pvml="urn:schemas-microsoft-com:office:powerpoint" xmlns:com="http://schemas.openxmlformats.org/drawingml/2006/compatibility" xmlns:p14="http://schemas.microsoft.com/office/powerpoint/2010/main" xmlns:p15="http://schemas.microsoft.com/office/powerpoint/2012/main" xmlns:ahyp="http://schemas.microsoft.com/office/drawing/2018/hyperlinkcolor" showMasterPhAnim="0" showMasterSp="0">
-  <p:cSld>
-    <p:spTree>
-      <p:nvGrpSpPr>
-        <p:cNvPr id="199" name="Shape 199"/>
-        <p:cNvGrpSpPr/>
-        <p:nvPr/>
-      </p:nvGrpSpPr>
-      <p:grpSpPr>
-        <a:xfrm>
-          <a:off x="0" y="0"/>
-          <a:ext cx="0" cy="0"/>
-          <a:chOff x="0" y="0"/>
-          <a:chExt cx="0" cy="0"/>
-        </a:xfrm>
-      </p:grpSpPr>
-      <p:sp>
-        <p:nvSpPr>
-          <p:cNvPr id="200" name="Google Shape;200;ga8aa0623b4_3_51:notes"/>
-          <p:cNvSpPr/>
-          <p:nvPr>
-            <p:ph idx="2" type="sldImg"/>
-          </p:nvPr>
-        </p:nvSpPr>
-        <p:spPr>
-          <a:xfrm>
-            <a:off x="685800" y="1143000"/>
-            <a:ext cx="5486400" cy="3086100"/>
-          </a:xfrm>
-          <a:custGeom>
-            <a:rect b="b" l="l" r="r" t="t"/>
-            <a:pathLst>
-              <a:path extrusionOk="0" h="120000" w="120000">
-                <a:moveTo>
-                  <a:pt x="0" y="0"/>
-                </a:moveTo>
-                <a:lnTo>
-                  <a:pt x="120000" y="0"/>
-                </a:lnTo>
-                <a:lnTo>
-                  <a:pt x="120000" y="120000"/>
-                </a:lnTo>
-                <a:lnTo>
-                  <a:pt x="0" y="120000"/>
-                </a:lnTo>
-                <a:close/>
-              </a:path>
-            </a:pathLst>
-          </a:custGeom>
-          <a:noFill/>
-          <a:ln cap="flat" cmpd="sng" w="12700">
-            <a:solidFill>
-              <a:srgbClr val="000000"/>
-            </a:solidFill>
-            <a:prstDash val="solid"/>
-            <a:round/>
-            <a:headEnd len="sm" w="sm" type="none"/>
-            <a:tailEnd len="sm" w="sm" type="none"/>
-          </a:ln>
-        </p:spPr>
-      </p:sp>
-      <p:sp>
-        <p:nvSpPr>
-          <p:cNvPr id="201" name="Google Shape;201;ga8aa0623b4_3_51:notes"/>
-          <p:cNvSpPr txBox="1"/>
-          <p:nvPr>
-            <p:ph idx="1" type="body"/>
-          </p:nvPr>
-        </p:nvSpPr>
-        <p:spPr>
-          <a:xfrm>
-            <a:off x="685800" y="4400550"/>
-            <a:ext cx="5486400" cy="3600600"/>
-          </a:xfrm>
-          <a:prstGeom prst="rect">
-            <a:avLst/>
-          </a:prstGeom>
-          <a:noFill/>
-          <a:ln>
-            <a:noFill/>
-          </a:ln>
-        </p:spPr>
-        <p:txBody>
-          <a:bodyPr anchorCtr="0" anchor="t" bIns="45700" lIns="91425" spcFirstLastPara="1" rIns="91425" wrap="square" tIns="45700">
-            <a:noAutofit/>
-          </a:bodyPr>
-          <a:lstStyle/>
-          <a:p>
-            <a:pPr indent="0" lvl="0" marL="0" rtl="0" algn="l">
-              <a:lnSpc>
-                <a:spcPct val="100000"/>
-              </a:lnSpc>
-              <a:spcBef>
-                <a:spcPts val="0"/>
-              </a:spcBef>
-              <a:spcAft>
-                <a:spcPts val="0"/>
-              </a:spcAft>
-              <a:buSzPts val="1400"/>
-              <a:buNone/>
-            </a:pPr>
-            <a:r>
-              <a:t/>
-            </a:r>
-            <a:endParaRPr/>
-          </a:p>
-        </p:txBody>
-      </p:sp>
-      <p:sp>
-        <p:nvSpPr>
-          <p:cNvPr id="202" name="Google Shape;202;ga8aa0623b4_3_51:notes"/>
-          <p:cNvSpPr txBox="1"/>
-          <p:nvPr>
-            <p:ph idx="12" type="sldNum"/>
-          </p:nvPr>
-        </p:nvSpPr>
-        <p:spPr>
-          <a:xfrm>
-            <a:off x="3884613" y="8685213"/>
-            <a:ext cx="2971800" cy="458700"/>
-          </a:xfrm>
-          <a:prstGeom prst="rect">
-            <a:avLst/>
-          </a:prstGeom>
-          <a:noFill/>
-          <a:ln>
-            <a:noFill/>
-          </a:ln>
-        </p:spPr>
-        <p:txBody>
-          <a:bodyPr anchorCtr="0" anchor="b" bIns="45700" lIns="91425" spcFirstLastPara="1" rIns="91425" wrap="square" tIns="45700">
-            <a:noAutofit/>
-          </a:bodyPr>
-          <a:lstStyle/>
-          <a:p>
-            <a:pPr indent="0" lvl="0" marL="0" rtl="0" algn="r">
-              <a:lnSpc>
-                <a:spcPct val="100000"/>
-              </a:lnSpc>
-              <a:spcBef>
-                <a:spcPts val="0"/>
-              </a:spcBef>
-              <a:spcAft>
-                <a:spcPts val="0"/>
-              </a:spcAft>
-              <a:buSzPts val="1400"/>
               <a:buNone/>
             </a:pPr>
             <a:fld id="{00000000-1234-1234-1234-123412341234}" type="slidenum">
@@ -20920,6 +20754,26 @@
             </a:r>
             <a:endParaRPr/>
           </a:p>
+          <a:p>
+            <a:pPr indent="0" lvl="0" marL="0" rtl="0" algn="ctr">
+              <a:lnSpc>
+                <a:spcPct val="90000"/>
+              </a:lnSpc>
+              <a:spcBef>
+                <a:spcPts val="1000"/>
+              </a:spcBef>
+              <a:spcAft>
+                <a:spcPts val="0"/>
+              </a:spcAft>
+              <a:buSzPts val="2000"/>
+              <a:buNone/>
+            </a:pPr>
+            <a:r>
+              <a:rPr lang="en-IN"/>
+              <a:t>* MongoDB CRUD</a:t>
+            </a:r>
+            <a:endParaRPr/>
+          </a:p>
         </p:txBody>
       </p:sp>
       <p:sp>
@@ -21736,406 +21590,6 @@
           </a:ln>
         </p:spPr>
       </p:pic>
-    </p:spTree>
-  </p:cSld>
-  <p:clrMapOvr>
-    <a:masterClrMapping/>
-  </p:clrMapOvr>
-</p:sld>
-</file>
-
-<file path=ppt/slides/slide14.xml><?xml version="1.0" encoding="utf-8"?>
-<p:sld xmlns:a="http://schemas.openxmlformats.org/drawingml/2006/main" xmlns:r="http://schemas.openxmlformats.org/officeDocument/2006/relationships" xmlns:mc="http://schemas.openxmlformats.org/markup-compatibility/2006" xmlns:mv="urn:schemas-microsoft-com:mac:vml" xmlns:p="http://schemas.openxmlformats.org/presentationml/2006/main" xmlns:c="http://schemas.openxmlformats.org/drawingml/2006/chart" xmlns:dgm="http://schemas.openxmlformats.org/drawingml/2006/diagram" xmlns:o="urn:schemas-microsoft-com:office:office" xmlns:v="urn:schemas-microsoft-com:vml" xmlns:pvml="urn:schemas-microsoft-com:office:powerpoint" xmlns:com="http://schemas.openxmlformats.org/drawingml/2006/compatibility" xmlns:p14="http://schemas.microsoft.com/office/powerpoint/2010/main" xmlns:p15="http://schemas.microsoft.com/office/powerpoint/2012/main" xmlns:ahyp="http://schemas.microsoft.com/office/drawing/2018/hyperlinkcolor">
-  <p:cSld>
-    <p:spTree>
-      <p:nvGrpSpPr>
-        <p:cNvPr id="203" name="Shape 203"/>
-        <p:cNvGrpSpPr/>
-        <p:nvPr/>
-      </p:nvGrpSpPr>
-      <p:grpSpPr>
-        <a:xfrm>
-          <a:off x="0" y="0"/>
-          <a:ext cx="0" cy="0"/>
-          <a:chOff x="0" y="0"/>
-          <a:chExt cx="0" cy="0"/>
-        </a:xfrm>
-      </p:grpSpPr>
-      <p:sp>
-        <p:nvSpPr>
-          <p:cNvPr id="204" name="Google Shape;204;ga8aa0623b4_3_51"/>
-          <p:cNvSpPr txBox="1"/>
-          <p:nvPr>
-            <p:ph type="title"/>
-          </p:nvPr>
-        </p:nvSpPr>
-        <p:spPr>
-          <a:xfrm>
-            <a:off x="2231136" y="964692"/>
-            <a:ext cx="7729800" cy="1188600"/>
-          </a:xfrm>
-          <a:prstGeom prst="rect">
-            <a:avLst/>
-          </a:prstGeom>
-          <a:solidFill>
-            <a:schemeClr val="lt1"/>
-          </a:solidFill>
-          <a:ln cap="sq" cmpd="sng" w="31750">
-            <a:solidFill>
-              <a:srgbClr val="3F3F3F"/>
-            </a:solidFill>
-            <a:prstDash val="solid"/>
-            <a:miter lim="800000"/>
-            <a:headEnd len="sm" w="sm" type="none"/>
-            <a:tailEnd len="sm" w="sm" type="none"/>
-          </a:ln>
-        </p:spPr>
-        <p:txBody>
-          <a:bodyPr anchorCtr="0" anchor="ctr" bIns="182875" lIns="182875" spcFirstLastPara="1" rIns="182875" wrap="square" tIns="182875">
-            <a:noAutofit/>
-          </a:bodyPr>
-          <a:lstStyle/>
-          <a:p>
-            <a:pPr indent="0" lvl="0" marL="0" rtl="0" algn="ctr">
-              <a:lnSpc>
-                <a:spcPct val="90000"/>
-              </a:lnSpc>
-              <a:spcBef>
-                <a:spcPts val="0"/>
-              </a:spcBef>
-              <a:spcAft>
-                <a:spcPts val="0"/>
-              </a:spcAft>
-              <a:buSzPts val="1800"/>
-              <a:buNone/>
-            </a:pPr>
-            <a:r>
-              <a:rPr lang="en-IN"/>
-              <a:t>SKIP &amp; LIMIT</a:t>
-            </a:r>
-            <a:endParaRPr/>
-          </a:p>
-        </p:txBody>
-      </p:sp>
-      <p:sp>
-        <p:nvSpPr>
-          <p:cNvPr id="205" name="Google Shape;205;ga8aa0623b4_3_51"/>
-          <p:cNvSpPr txBox="1"/>
-          <p:nvPr>
-            <p:ph idx="1" type="body"/>
-          </p:nvPr>
-        </p:nvSpPr>
-        <p:spPr>
-          <a:xfrm>
-            <a:off x="995525" y="2475875"/>
-            <a:ext cx="5021700" cy="3704100"/>
-          </a:xfrm>
-          <a:prstGeom prst="rect">
-            <a:avLst/>
-          </a:prstGeom>
-          <a:noFill/>
-          <a:ln>
-            <a:noFill/>
-          </a:ln>
-        </p:spPr>
-        <p:txBody>
-          <a:bodyPr anchorCtr="0" anchor="t" bIns="45700" lIns="91425" spcFirstLastPara="1" rIns="91425" wrap="square" tIns="45700">
-            <a:noAutofit/>
-          </a:bodyPr>
-          <a:lstStyle/>
-          <a:p>
-            <a:pPr indent="0" lvl="0" marL="0" rtl="0" algn="l">
-              <a:lnSpc>
-                <a:spcPct val="100000"/>
-              </a:lnSpc>
-              <a:spcBef>
-                <a:spcPts val="1000"/>
-              </a:spcBef>
-              <a:spcAft>
-                <a:spcPts val="0"/>
-              </a:spcAft>
-              <a:buClr>
-                <a:schemeClr val="dk1"/>
-              </a:buClr>
-              <a:buSzPts val="1100"/>
-              <a:buFont typeface="Arial"/>
-              <a:buNone/>
-            </a:pPr>
-            <a:r>
-              <a:rPr lang="en-IN"/>
-              <a:t>The Limit() Method</a:t>
-            </a:r>
-            <a:endParaRPr/>
-          </a:p>
-          <a:p>
-            <a:pPr indent="0" lvl="0" marL="0" rtl="0" algn="l">
-              <a:lnSpc>
-                <a:spcPct val="100000"/>
-              </a:lnSpc>
-              <a:spcBef>
-                <a:spcPts val="1000"/>
-              </a:spcBef>
-              <a:spcAft>
-                <a:spcPts val="0"/>
-              </a:spcAft>
-              <a:buClr>
-                <a:schemeClr val="dk1"/>
-              </a:buClr>
-              <a:buSzPts val="1100"/>
-              <a:buFont typeface="Arial"/>
-              <a:buNone/>
-            </a:pPr>
-            <a:r>
-              <a:rPr lang="en-IN"/>
-              <a:t>To limit the records in MongoDB, you need to use limit() method. The method accepts one number type argument, which is the number of documents that you want to be displayed.</a:t>
-            </a:r>
-            <a:endParaRPr/>
-          </a:p>
-          <a:p>
-            <a:pPr indent="0" lvl="0" marL="0" rtl="0" algn="l">
-              <a:lnSpc>
-                <a:spcPct val="100000"/>
-              </a:lnSpc>
-              <a:spcBef>
-                <a:spcPts val="1000"/>
-              </a:spcBef>
-              <a:spcAft>
-                <a:spcPts val="0"/>
-              </a:spcAft>
-              <a:buSzPts val="1800"/>
-              <a:buNone/>
-            </a:pPr>
-            <a:r>
-              <a:rPr lang="en-IN"/>
-              <a:t>The basic syntax of limit() method is as follows −</a:t>
-            </a:r>
-            <a:endParaRPr/>
-          </a:p>
-          <a:p>
-            <a:pPr indent="0" lvl="0" marL="0" rtl="0" algn="l">
-              <a:lnSpc>
-                <a:spcPct val="100000"/>
-              </a:lnSpc>
-              <a:spcBef>
-                <a:spcPts val="1000"/>
-              </a:spcBef>
-              <a:spcAft>
-                <a:spcPts val="0"/>
-              </a:spcAft>
-              <a:buSzPts val="1800"/>
-              <a:buNone/>
-            </a:pPr>
-            <a:r>
-              <a:rPr lang="en-IN"/>
-              <a:t>&gt; db.COLLECTION_NAME.find().limit(NUMBER)</a:t>
-            </a:r>
-            <a:endParaRPr/>
-          </a:p>
-          <a:p>
-            <a:pPr indent="0" lvl="0" marL="0" rtl="0" algn="l">
-              <a:lnSpc>
-                <a:spcPct val="100000"/>
-              </a:lnSpc>
-              <a:spcBef>
-                <a:spcPts val="1000"/>
-              </a:spcBef>
-              <a:spcAft>
-                <a:spcPts val="0"/>
-              </a:spcAft>
-              <a:buSzPts val="1800"/>
-              <a:buNone/>
-            </a:pPr>
-            <a:r>
-              <a:rPr lang="en-IN"/>
-              <a:t>&gt; db.mycol.find({},{"title":1,_id:0}).limit(2)</a:t>
-            </a:r>
-            <a:endParaRPr/>
-          </a:p>
-          <a:p>
-            <a:pPr indent="0" lvl="0" marL="0" rtl="0" algn="l">
-              <a:lnSpc>
-                <a:spcPct val="100000"/>
-              </a:lnSpc>
-              <a:spcBef>
-                <a:spcPts val="1000"/>
-              </a:spcBef>
-              <a:spcAft>
-                <a:spcPts val="0"/>
-              </a:spcAft>
-              <a:buSzPts val="1800"/>
-              <a:buNone/>
-            </a:pPr>
-            <a:r>
-              <a:rPr lang="en-IN" sz="1500"/>
-              <a:t>If you don't specify the number argument in limit() method then it will display all documents from the collection.</a:t>
-            </a:r>
-            <a:endParaRPr sz="1500"/>
-          </a:p>
-        </p:txBody>
-      </p:sp>
-      <p:sp>
-        <p:nvSpPr>
-          <p:cNvPr id="206" name="Google Shape;206;ga8aa0623b4_3_51"/>
-          <p:cNvSpPr txBox="1"/>
-          <p:nvPr>
-            <p:ph idx="1" type="body"/>
-          </p:nvPr>
-        </p:nvSpPr>
-        <p:spPr>
-          <a:xfrm>
-            <a:off x="6495775" y="2475875"/>
-            <a:ext cx="5021700" cy="3704100"/>
-          </a:xfrm>
-          <a:prstGeom prst="rect">
-            <a:avLst/>
-          </a:prstGeom>
-          <a:noFill/>
-          <a:ln>
-            <a:noFill/>
-          </a:ln>
-        </p:spPr>
-        <p:txBody>
-          <a:bodyPr anchorCtr="0" anchor="t" bIns="45700" lIns="91425" spcFirstLastPara="1" rIns="91425" wrap="square" tIns="45700">
-            <a:noAutofit/>
-          </a:bodyPr>
-          <a:lstStyle/>
-          <a:p>
-            <a:pPr indent="0" lvl="0" marL="0" rtl="0" algn="l">
-              <a:lnSpc>
-                <a:spcPct val="100000"/>
-              </a:lnSpc>
-              <a:spcBef>
-                <a:spcPts val="1000"/>
-              </a:spcBef>
-              <a:spcAft>
-                <a:spcPts val="0"/>
-              </a:spcAft>
-              <a:buClr>
-                <a:schemeClr val="dk1"/>
-              </a:buClr>
-              <a:buSzPts val="1100"/>
-              <a:buFont typeface="Arial"/>
-              <a:buNone/>
-            </a:pPr>
-            <a:r>
-              <a:rPr lang="en-IN"/>
-              <a:t>MongoDB Skip() Method</a:t>
-            </a:r>
-            <a:endParaRPr/>
-          </a:p>
-          <a:p>
-            <a:pPr indent="0" lvl="0" marL="0" rtl="0" algn="l">
-              <a:lnSpc>
-                <a:spcPct val="100000"/>
-              </a:lnSpc>
-              <a:spcBef>
-                <a:spcPts val="1000"/>
-              </a:spcBef>
-              <a:spcAft>
-                <a:spcPts val="0"/>
-              </a:spcAft>
-              <a:buClr>
-                <a:schemeClr val="dk1"/>
-              </a:buClr>
-              <a:buSzPts val="1100"/>
-              <a:buFont typeface="Arial"/>
-              <a:buNone/>
-            </a:pPr>
-            <a:r>
-              <a:rPr lang="en-IN"/>
-              <a:t>Apart from limit() method, there is one more method skip() which also accepts number type argument and is used to skip the number of documents.</a:t>
-            </a:r>
-            <a:endParaRPr/>
-          </a:p>
-          <a:p>
-            <a:pPr indent="0" lvl="0" marL="0" rtl="0" algn="l">
-              <a:lnSpc>
-                <a:spcPct val="100000"/>
-              </a:lnSpc>
-              <a:spcBef>
-                <a:spcPts val="1000"/>
-              </a:spcBef>
-              <a:spcAft>
-                <a:spcPts val="0"/>
-              </a:spcAft>
-              <a:buClr>
-                <a:schemeClr val="dk1"/>
-              </a:buClr>
-              <a:buSzPts val="1100"/>
-              <a:buFont typeface="Arial"/>
-              <a:buNone/>
-            </a:pPr>
-            <a:r>
-              <a:rPr lang="en-IN"/>
-              <a:t>The basic syntax of skip() method is as follows −</a:t>
-            </a:r>
-            <a:endParaRPr/>
-          </a:p>
-          <a:p>
-            <a:pPr indent="0" lvl="0" marL="0" rtl="0" algn="l">
-              <a:lnSpc>
-                <a:spcPct val="100000"/>
-              </a:lnSpc>
-              <a:spcBef>
-                <a:spcPts val="1000"/>
-              </a:spcBef>
-              <a:spcAft>
-                <a:spcPts val="0"/>
-              </a:spcAft>
-              <a:buSzPts val="1800"/>
-              <a:buNone/>
-            </a:pPr>
-            <a:r>
-              <a:rPr lang="en-IN"/>
-              <a:t>&gt;db.COLLECTION_NAME.find().limit(NUMBER).skip(NUMBER)</a:t>
-            </a:r>
-            <a:endParaRPr/>
-          </a:p>
-          <a:p>
-            <a:pPr indent="0" lvl="0" marL="0" rtl="0" algn="l">
-              <a:lnSpc>
-                <a:spcPct val="100000"/>
-              </a:lnSpc>
-              <a:spcBef>
-                <a:spcPts val="1000"/>
-              </a:spcBef>
-              <a:spcAft>
-                <a:spcPts val="0"/>
-              </a:spcAft>
-              <a:buClr>
-                <a:schemeClr val="dk1"/>
-              </a:buClr>
-              <a:buSzPts val="1100"/>
-              <a:buFont typeface="Arial"/>
-              <a:buNone/>
-            </a:pPr>
-            <a:r>
-              <a:rPr lang="en-IN"/>
-              <a:t>&gt;db.mycol.find({},{"title":1,_id:0}).limit(1).skip(1)</a:t>
-            </a:r>
-            <a:endParaRPr/>
-          </a:p>
-          <a:p>
-            <a:pPr indent="0" lvl="0" marL="0" rtl="0" algn="l">
-              <a:lnSpc>
-                <a:spcPct val="100000"/>
-              </a:lnSpc>
-              <a:spcBef>
-                <a:spcPts val="1000"/>
-              </a:spcBef>
-              <a:spcAft>
-                <a:spcPts val="0"/>
-              </a:spcAft>
-              <a:buSzPts val="1800"/>
-              <a:buNone/>
-            </a:pPr>
-            <a:r>
-              <a:t/>
-            </a:r>
-            <a:endParaRPr/>
-          </a:p>
-        </p:txBody>
-      </p:sp>
     </p:spTree>
   </p:cSld>
   <p:clrMapOvr>
@@ -24186,6 +23640,285 @@
 </file>
 
 <file path=ppt/theme/theme2.xml><?xml version="1.0" encoding="utf-8"?>
+<a:theme xmlns:a="http://schemas.openxmlformats.org/drawingml/2006/main" xmlns:r="http://schemas.openxmlformats.org/officeDocument/2006/relationships" name="Office Theme">
+  <a:themeElements>
+    <a:clrScheme name="Office">
+      <a:dk1>
+        <a:srgbClr val="000000"/>
+      </a:dk1>
+      <a:lt1>
+        <a:srgbClr val="FFFFFF"/>
+      </a:lt1>
+      <a:dk2>
+        <a:srgbClr val="44546A"/>
+      </a:dk2>
+      <a:lt2>
+        <a:srgbClr val="E7E6E6"/>
+      </a:lt2>
+      <a:accent1>
+        <a:srgbClr val="4472C4"/>
+      </a:accent1>
+      <a:accent2>
+        <a:srgbClr val="ED7D31"/>
+      </a:accent2>
+      <a:accent3>
+        <a:srgbClr val="A5A5A5"/>
+      </a:accent3>
+      <a:accent4>
+        <a:srgbClr val="FFC000"/>
+      </a:accent4>
+      <a:accent5>
+        <a:srgbClr val="5B9BD5"/>
+      </a:accent5>
+      <a:accent6>
+        <a:srgbClr val="70AD47"/>
+      </a:accent6>
+      <a:hlink>
+        <a:srgbClr val="0563C1"/>
+      </a:hlink>
+      <a:folHlink>
+        <a:srgbClr val="954F72"/>
+      </a:folHlink>
+    </a:clrScheme>
+    <a:fontScheme name="Office">
+      <a:majorFont>
+        <a:latin typeface="Arial"/>
+        <a:ea typeface=""/>
+        <a:cs typeface=""/>
+        <a:font script="Jpan" typeface="ＭＳ Ｐゴシック"/>
+        <a:font script="Hang" typeface="맑은 고딕"/>
+        <a:font script="Hans" typeface="宋体"/>
+        <a:font script="Hant" typeface="新細明體"/>
+        <a:font script="Arab" typeface="Times New Roman"/>
+        <a:font script="Hebr" typeface="Times New Roman"/>
+        <a:font script="Thai" typeface="Angsana New"/>
+        <a:font script="Ethi" typeface="Nyala"/>
+        <a:font script="Beng" typeface="Vrinda"/>
+        <a:font script="Gujr" typeface="Shruti"/>
+        <a:font script="Khmr" typeface="MoolBoran"/>
+        <a:font script="Knda" typeface="Tunga"/>
+        <a:font script="Guru" typeface="Raavi"/>
+        <a:font script="Cans" typeface="Euphemia"/>
+        <a:font script="Cher" typeface="Plantagenet Cherokee"/>
+        <a:font script="Yiii" typeface="Microsoft Yi Baiti"/>
+        <a:font script="Tibt" typeface="Microsoft Himalaya"/>
+        <a:font script="Thaa" typeface="MV Boli"/>
+        <a:font script="Deva" typeface="Mangal"/>
+        <a:font script="Telu" typeface="Gautami"/>
+        <a:font script="Taml" typeface="Latha"/>
+        <a:font script="Syrc" typeface="Estrangelo Edessa"/>
+        <a:font script="Orya" typeface="Kalinga"/>
+        <a:font script="Mlym" typeface="Kartika"/>
+        <a:font script="Laoo" typeface="DokChampa"/>
+        <a:font script="Sinh" typeface="Iskoola Pota"/>
+        <a:font script="Mong" typeface="Mongolian Baiti"/>
+        <a:font script="Viet" typeface="Times New Roman"/>
+        <a:font script="Uigh" typeface="Microsoft Uighur"/>
+        <a:font script="Geor" typeface="Sylfaen"/>
+      </a:majorFont>
+      <a:minorFont>
+        <a:latin typeface="Arial"/>
+        <a:ea typeface=""/>
+        <a:cs typeface=""/>
+        <a:font script="Jpan" typeface="ＭＳ Ｐゴシック"/>
+        <a:font script="Hang" typeface="맑은 고딕"/>
+        <a:font script="Hans" typeface="宋体"/>
+        <a:font script="Hant" typeface="新細明體"/>
+        <a:font script="Arab" typeface="Arial"/>
+        <a:font script="Hebr" typeface="Arial"/>
+        <a:font script="Thai" typeface="Cordia New"/>
+        <a:font script="Ethi" typeface="Nyala"/>
+        <a:font script="Beng" typeface="Vrinda"/>
+        <a:font script="Gujr" typeface="Shruti"/>
+        <a:font script="Khmr" typeface="DaunPenh"/>
+        <a:font script="Knda" typeface="Tunga"/>
+        <a:font script="Guru" typeface="Raavi"/>
+        <a:font script="Cans" typeface="Euphemia"/>
+        <a:font script="Cher" typeface="Plantagenet Cherokee"/>
+        <a:font script="Yiii" typeface="Microsoft Yi Baiti"/>
+        <a:font script="Tibt" typeface="Microsoft Himalaya"/>
+        <a:font script="Thaa" typeface="MV Boli"/>
+        <a:font script="Deva" typeface="Mangal"/>
+        <a:font script="Telu" typeface="Gautami"/>
+        <a:font script="Taml" typeface="Latha"/>
+        <a:font script="Syrc" typeface="Estrangelo Edessa"/>
+        <a:font script="Orya" typeface="Kalinga"/>
+        <a:font script="Mlym" typeface="Kartika"/>
+        <a:font script="Laoo" typeface="DokChampa"/>
+        <a:font script="Sinh" typeface="Iskoola Pota"/>
+        <a:font script="Mong" typeface="Mongolian Baiti"/>
+        <a:font script="Viet" typeface="Arial"/>
+        <a:font script="Uigh" typeface="Microsoft Uighur"/>
+        <a:font script="Geor" typeface="Sylfaen"/>
+      </a:minorFont>
+    </a:fontScheme>
+    <a:fmtScheme name="Office">
+      <a:fillStyleLst>
+        <a:solidFill>
+          <a:schemeClr val="phClr"/>
+        </a:solidFill>
+        <a:gradFill rotWithShape="1">
+          <a:gsLst>
+            <a:gs pos="0">
+              <a:schemeClr val="phClr">
+                <a:tint val="50000"/>
+                <a:satMod val="300000"/>
+              </a:schemeClr>
+            </a:gs>
+            <a:gs pos="35000">
+              <a:schemeClr val="phClr">
+                <a:tint val="37000"/>
+                <a:satMod val="300000"/>
+              </a:schemeClr>
+            </a:gs>
+            <a:gs pos="100000">
+              <a:schemeClr val="phClr">
+                <a:tint val="15000"/>
+                <a:satMod val="350000"/>
+              </a:schemeClr>
+            </a:gs>
+          </a:gsLst>
+          <a:lin ang="16200000" scaled="1"/>
+        </a:gradFill>
+        <a:gradFill rotWithShape="1">
+          <a:gsLst>
+            <a:gs pos="0">
+              <a:schemeClr val="phClr">
+                <a:tint val="100000"/>
+                <a:shade val="100000"/>
+                <a:satMod val="130000"/>
+              </a:schemeClr>
+            </a:gs>
+            <a:gs pos="100000">
+              <a:schemeClr val="phClr">
+                <a:tint val="50000"/>
+                <a:shade val="100000"/>
+                <a:satMod val="350000"/>
+              </a:schemeClr>
+            </a:gs>
+          </a:gsLst>
+          <a:lin ang="16200000" scaled="0"/>
+        </a:gradFill>
+      </a:fillStyleLst>
+      <a:lnStyleLst>
+        <a:ln w="9525" cap="flat" cmpd="sng" algn="ctr">
+          <a:solidFill>
+            <a:schemeClr val="phClr">
+              <a:shade val="95000"/>
+              <a:satMod val="105000"/>
+            </a:schemeClr>
+          </a:solidFill>
+          <a:prstDash val="solid"/>
+        </a:ln>
+        <a:ln w="25400" cap="flat" cmpd="sng" algn="ctr">
+          <a:solidFill>
+            <a:schemeClr val="phClr"/>
+          </a:solidFill>
+          <a:prstDash val="solid"/>
+        </a:ln>
+        <a:ln w="38100" cap="flat" cmpd="sng" algn="ctr">
+          <a:solidFill>
+            <a:schemeClr val="phClr"/>
+          </a:solidFill>
+          <a:prstDash val="solid"/>
+        </a:ln>
+      </a:lnStyleLst>
+      <a:effectStyleLst>
+        <a:effectStyle>
+          <a:effectLst>
+            <a:outerShdw blurRad="40000" dist="20000" dir="5400000" rotWithShape="0">
+              <a:srgbClr val="000000">
+                <a:alpha val="38000"/>
+              </a:srgbClr>
+            </a:outerShdw>
+          </a:effectLst>
+        </a:effectStyle>
+        <a:effectStyle>
+          <a:effectLst>
+            <a:outerShdw blurRad="40000" dist="23000" dir="5400000" rotWithShape="0">
+              <a:srgbClr val="000000">
+                <a:alpha val="35000"/>
+              </a:srgbClr>
+            </a:outerShdw>
+          </a:effectLst>
+        </a:effectStyle>
+        <a:effectStyle>
+          <a:effectLst>
+            <a:outerShdw blurRad="40000" dist="23000" dir="5400000" rotWithShape="0">
+              <a:srgbClr val="000000">
+                <a:alpha val="35000"/>
+              </a:srgbClr>
+            </a:outerShdw>
+          </a:effectLst>
+          <a:scene3d>
+            <a:camera prst="orthographicFront">
+              <a:rot lat="0" lon="0" rev="0"/>
+            </a:camera>
+            <a:lightRig rig="threePt" dir="t">
+              <a:rot lat="0" lon="0" rev="1200000"/>
+            </a:lightRig>
+          </a:scene3d>
+          <a:sp3d>
+            <a:bevelT w="63500" h="25400"/>
+          </a:sp3d>
+        </a:effectStyle>
+      </a:effectStyleLst>
+      <a:bgFillStyleLst>
+        <a:solidFill>
+          <a:schemeClr val="phClr"/>
+        </a:solidFill>
+        <a:gradFill rotWithShape="1">
+          <a:gsLst>
+            <a:gs pos="0">
+              <a:schemeClr val="phClr">
+                <a:tint val="40000"/>
+                <a:satMod val="350000"/>
+              </a:schemeClr>
+            </a:gs>
+            <a:gs pos="40000">
+              <a:schemeClr val="phClr">
+                <a:tint val="45000"/>
+                <a:shade val="99000"/>
+                <a:satMod val="350000"/>
+              </a:schemeClr>
+            </a:gs>
+            <a:gs pos="100000">
+              <a:schemeClr val="phClr">
+                <a:shade val="20000"/>
+                <a:satMod val="255000"/>
+              </a:schemeClr>
+            </a:gs>
+          </a:gsLst>
+          <a:path path="circle">
+            <a:fillToRect l="50000" t="-80000" r="50000" b="180000"/>
+          </a:path>
+        </a:gradFill>
+        <a:gradFill rotWithShape="1">
+          <a:gsLst>
+            <a:gs pos="0">
+              <a:schemeClr val="phClr">
+                <a:tint val="80000"/>
+                <a:satMod val="300000"/>
+              </a:schemeClr>
+            </a:gs>
+            <a:gs pos="100000">
+              <a:schemeClr val="phClr">
+                <a:shade val="30000"/>
+                <a:satMod val="200000"/>
+              </a:schemeClr>
+            </a:gs>
+          </a:gsLst>
+          <a:path path="circle">
+            <a:fillToRect l="50000" t="50000" r="50000" b="50000"/>
+          </a:path>
+        </a:gradFill>
+      </a:bgFillStyleLst>
+    </a:fmtScheme>
+  </a:themeElements>
+</a:theme>
+</file>
+
+<file path=ppt/theme/theme3.xml><?xml version="1.0" encoding="utf-8"?>
 <a:theme xmlns:a="http://schemas.openxmlformats.org/drawingml/2006/main" xmlns:r="http://schemas.openxmlformats.org/officeDocument/2006/relationships" name="Parcel">
   <a:themeElements>
     <a:clrScheme name="Parcel">
@@ -24462,283 +24195,4 @@
     </a:fmtScheme>
   </a:themeElements>
 </a:theme>
-</file>
-
-<file path=ppt/theme/theme3.xml><?xml version="1.0" encoding="utf-8"?>
-<a:theme xmlns:a="http://schemas.openxmlformats.org/drawingml/2006/main" xmlns:r="http://schemas.openxmlformats.org/officeDocument/2006/relationships" name="Office Theme">
-  <a:themeElements>
-    <a:clrScheme name="Office">
-      <a:dk1>
-        <a:srgbClr val="000000"/>
-      </a:dk1>
-      <a:lt1>
-        <a:srgbClr val="FFFFFF"/>
-      </a:lt1>
-      <a:dk2>
-        <a:srgbClr val="44546A"/>
-      </a:dk2>
-      <a:lt2>
-        <a:srgbClr val="E7E6E6"/>
-      </a:lt2>
-      <a:accent1>
-        <a:srgbClr val="4472C4"/>
-      </a:accent1>
-      <a:accent2>
-        <a:srgbClr val="ED7D31"/>
-      </a:accent2>
-      <a:accent3>
-        <a:srgbClr val="A5A5A5"/>
-      </a:accent3>
-      <a:accent4>
-        <a:srgbClr val="FFC000"/>
-      </a:accent4>
-      <a:accent5>
-        <a:srgbClr val="5B9BD5"/>
-      </a:accent5>
-      <a:accent6>
-        <a:srgbClr val="70AD47"/>
-      </a:accent6>
-      <a:hlink>
-        <a:srgbClr val="0563C1"/>
-      </a:hlink>
-      <a:folHlink>
-        <a:srgbClr val="954F72"/>
-      </a:folHlink>
-    </a:clrScheme>
-    <a:fontScheme name="Office">
-      <a:majorFont>
-        <a:latin typeface="Arial"/>
-        <a:ea typeface=""/>
-        <a:cs typeface=""/>
-        <a:font script="Jpan" typeface="ＭＳ Ｐゴシック"/>
-        <a:font script="Hang" typeface="맑은 고딕"/>
-        <a:font script="Hans" typeface="宋体"/>
-        <a:font script="Hant" typeface="新細明體"/>
-        <a:font script="Arab" typeface="Times New Roman"/>
-        <a:font script="Hebr" typeface="Times New Roman"/>
-        <a:font script="Thai" typeface="Angsana New"/>
-        <a:font script="Ethi" typeface="Nyala"/>
-        <a:font script="Beng" typeface="Vrinda"/>
-        <a:font script="Gujr" typeface="Shruti"/>
-        <a:font script="Khmr" typeface="MoolBoran"/>
-        <a:font script="Knda" typeface="Tunga"/>
-        <a:font script="Guru" typeface="Raavi"/>
-        <a:font script="Cans" typeface="Euphemia"/>
-        <a:font script="Cher" typeface="Plantagenet Cherokee"/>
-        <a:font script="Yiii" typeface="Microsoft Yi Baiti"/>
-        <a:font script="Tibt" typeface="Microsoft Himalaya"/>
-        <a:font script="Thaa" typeface="MV Boli"/>
-        <a:font script="Deva" typeface="Mangal"/>
-        <a:font script="Telu" typeface="Gautami"/>
-        <a:font script="Taml" typeface="Latha"/>
-        <a:font script="Syrc" typeface="Estrangelo Edessa"/>
-        <a:font script="Orya" typeface="Kalinga"/>
-        <a:font script="Mlym" typeface="Kartika"/>
-        <a:font script="Laoo" typeface="DokChampa"/>
-        <a:font script="Sinh" typeface="Iskoola Pota"/>
-        <a:font script="Mong" typeface="Mongolian Baiti"/>
-        <a:font script="Viet" typeface="Times New Roman"/>
-        <a:font script="Uigh" typeface="Microsoft Uighur"/>
-        <a:font script="Geor" typeface="Sylfaen"/>
-      </a:majorFont>
-      <a:minorFont>
-        <a:latin typeface="Arial"/>
-        <a:ea typeface=""/>
-        <a:cs typeface=""/>
-        <a:font script="Jpan" typeface="ＭＳ Ｐゴシック"/>
-        <a:font script="Hang" typeface="맑은 고딕"/>
-        <a:font script="Hans" typeface="宋体"/>
-        <a:font script="Hant" typeface="新細明體"/>
-        <a:font script="Arab" typeface="Arial"/>
-        <a:font script="Hebr" typeface="Arial"/>
-        <a:font script="Thai" typeface="Cordia New"/>
-        <a:font script="Ethi" typeface="Nyala"/>
-        <a:font script="Beng" typeface="Vrinda"/>
-        <a:font script="Gujr" typeface="Shruti"/>
-        <a:font script="Khmr" typeface="DaunPenh"/>
-        <a:font script="Knda" typeface="Tunga"/>
-        <a:font script="Guru" typeface="Raavi"/>
-        <a:font script="Cans" typeface="Euphemia"/>
-        <a:font script="Cher" typeface="Plantagenet Cherokee"/>
-        <a:font script="Yiii" typeface="Microsoft Yi Baiti"/>
-        <a:font script="Tibt" typeface="Microsoft Himalaya"/>
-        <a:font script="Thaa" typeface="MV Boli"/>
-        <a:font script="Deva" typeface="Mangal"/>
-        <a:font script="Telu" typeface="Gautami"/>
-        <a:font script="Taml" typeface="Latha"/>
-        <a:font script="Syrc" typeface="Estrangelo Edessa"/>
-        <a:font script="Orya" typeface="Kalinga"/>
-        <a:font script="Mlym" typeface="Kartika"/>
-        <a:font script="Laoo" typeface="DokChampa"/>
-        <a:font script="Sinh" typeface="Iskoola Pota"/>
-        <a:font script="Mong" typeface="Mongolian Baiti"/>
-        <a:font script="Viet" typeface="Arial"/>
-        <a:font script="Uigh" typeface="Microsoft Uighur"/>
-        <a:font script="Geor" typeface="Sylfaen"/>
-      </a:minorFont>
-    </a:fontScheme>
-    <a:fmtScheme name="Office">
-      <a:fillStyleLst>
-        <a:solidFill>
-          <a:schemeClr val="phClr"/>
-        </a:solidFill>
-        <a:gradFill rotWithShape="1">
-          <a:gsLst>
-            <a:gs pos="0">
-              <a:schemeClr val="phClr">
-                <a:tint val="50000"/>
-                <a:satMod val="300000"/>
-              </a:schemeClr>
-            </a:gs>
-            <a:gs pos="35000">
-              <a:schemeClr val="phClr">
-                <a:tint val="37000"/>
-                <a:satMod val="300000"/>
-              </a:schemeClr>
-            </a:gs>
-            <a:gs pos="100000">
-              <a:schemeClr val="phClr">
-                <a:tint val="15000"/>
-                <a:satMod val="350000"/>
-              </a:schemeClr>
-            </a:gs>
-          </a:gsLst>
-          <a:lin ang="16200000" scaled="1"/>
-        </a:gradFill>
-        <a:gradFill rotWithShape="1">
-          <a:gsLst>
-            <a:gs pos="0">
-              <a:schemeClr val="phClr">
-                <a:tint val="100000"/>
-                <a:shade val="100000"/>
-                <a:satMod val="130000"/>
-              </a:schemeClr>
-            </a:gs>
-            <a:gs pos="100000">
-              <a:schemeClr val="phClr">
-                <a:tint val="50000"/>
-                <a:shade val="100000"/>
-                <a:satMod val="350000"/>
-              </a:schemeClr>
-            </a:gs>
-          </a:gsLst>
-          <a:lin ang="16200000" scaled="0"/>
-        </a:gradFill>
-      </a:fillStyleLst>
-      <a:lnStyleLst>
-        <a:ln w="9525" cap="flat" cmpd="sng" algn="ctr">
-          <a:solidFill>
-            <a:schemeClr val="phClr">
-              <a:shade val="95000"/>
-              <a:satMod val="105000"/>
-            </a:schemeClr>
-          </a:solidFill>
-          <a:prstDash val="solid"/>
-        </a:ln>
-        <a:ln w="25400" cap="flat" cmpd="sng" algn="ctr">
-          <a:solidFill>
-            <a:schemeClr val="phClr"/>
-          </a:solidFill>
-          <a:prstDash val="solid"/>
-        </a:ln>
-        <a:ln w="38100" cap="flat" cmpd="sng" algn="ctr">
-          <a:solidFill>
-            <a:schemeClr val="phClr"/>
-          </a:solidFill>
-          <a:prstDash val="solid"/>
-        </a:ln>
-      </a:lnStyleLst>
-      <a:effectStyleLst>
-        <a:effectStyle>
-          <a:effectLst>
-            <a:outerShdw blurRad="40000" dist="20000" dir="5400000" rotWithShape="0">
-              <a:srgbClr val="000000">
-                <a:alpha val="38000"/>
-              </a:srgbClr>
-            </a:outerShdw>
-          </a:effectLst>
-        </a:effectStyle>
-        <a:effectStyle>
-          <a:effectLst>
-            <a:outerShdw blurRad="40000" dist="23000" dir="5400000" rotWithShape="0">
-              <a:srgbClr val="000000">
-                <a:alpha val="35000"/>
-              </a:srgbClr>
-            </a:outerShdw>
-          </a:effectLst>
-        </a:effectStyle>
-        <a:effectStyle>
-          <a:effectLst>
-            <a:outerShdw blurRad="40000" dist="23000" dir="5400000" rotWithShape="0">
-              <a:srgbClr val="000000">
-                <a:alpha val="35000"/>
-              </a:srgbClr>
-            </a:outerShdw>
-          </a:effectLst>
-          <a:scene3d>
-            <a:camera prst="orthographicFront">
-              <a:rot lat="0" lon="0" rev="0"/>
-            </a:camera>
-            <a:lightRig rig="threePt" dir="t">
-              <a:rot lat="0" lon="0" rev="1200000"/>
-            </a:lightRig>
-          </a:scene3d>
-          <a:sp3d>
-            <a:bevelT w="63500" h="25400"/>
-          </a:sp3d>
-        </a:effectStyle>
-      </a:effectStyleLst>
-      <a:bgFillStyleLst>
-        <a:solidFill>
-          <a:schemeClr val="phClr"/>
-        </a:solidFill>
-        <a:gradFill rotWithShape="1">
-          <a:gsLst>
-            <a:gs pos="0">
-              <a:schemeClr val="phClr">
-                <a:tint val="40000"/>
-                <a:satMod val="350000"/>
-              </a:schemeClr>
-            </a:gs>
-            <a:gs pos="40000">
-              <a:schemeClr val="phClr">
-                <a:tint val="45000"/>
-                <a:shade val="99000"/>
-                <a:satMod val="350000"/>
-              </a:schemeClr>
-            </a:gs>
-            <a:gs pos="100000">
-              <a:schemeClr val="phClr">
-                <a:shade val="20000"/>
-                <a:satMod val="255000"/>
-              </a:schemeClr>
-            </a:gs>
-          </a:gsLst>
-          <a:path path="circle">
-            <a:fillToRect l="50000" t="-80000" r="50000" b="180000"/>
-          </a:path>
-        </a:gradFill>
-        <a:gradFill rotWithShape="1">
-          <a:gsLst>
-            <a:gs pos="0">
-              <a:schemeClr val="phClr">
-                <a:tint val="80000"/>
-                <a:satMod val="300000"/>
-              </a:schemeClr>
-            </a:gs>
-            <a:gs pos="100000">
-              <a:schemeClr val="phClr">
-                <a:shade val="30000"/>
-                <a:satMod val="200000"/>
-              </a:schemeClr>
-            </a:gs>
-          </a:gsLst>
-          <a:path path="circle">
-            <a:fillToRect l="50000" t="50000" r="50000" b="50000"/>
-          </a:path>
-        </a:gradFill>
-      </a:bgFillStyleLst>
-    </a:fmtScheme>
-  </a:themeElements>
-</a:theme>
 </file>